--- a/03_4주차 과제/오픈소스전문프로젝트_Report#02-1_10조.pptx
+++ b/03_4주차 과제/오픈소스전문프로젝트_Report#02-1_10조.pptx
@@ -12,17 +12,21 @@
     <p:sldId id="259" r:id="rId6"/>
     <p:sldId id="260" r:id="rId7"/>
     <p:sldId id="261" r:id="rId8"/>
-    <p:sldId id="267" r:id="rId9"/>
-    <p:sldId id="262" r:id="rId10"/>
-    <p:sldId id="266" r:id="rId11"/>
-    <p:sldId id="263" r:id="rId12"/>
-    <p:sldId id="268" r:id="rId13"/>
-    <p:sldId id="269" r:id="rId14"/>
-    <p:sldId id="264" r:id="rId15"/>
-    <p:sldId id="265" r:id="rId16"/>
-    <p:sldId id="270" r:id="rId17"/>
-    <p:sldId id="271" r:id="rId18"/>
-    <p:sldId id="272" r:id="rId19"/>
+    <p:sldId id="274" r:id="rId9"/>
+    <p:sldId id="267" r:id="rId10"/>
+    <p:sldId id="275" r:id="rId11"/>
+    <p:sldId id="262" r:id="rId12"/>
+    <p:sldId id="266" r:id="rId13"/>
+    <p:sldId id="263" r:id="rId14"/>
+    <p:sldId id="268" r:id="rId15"/>
+    <p:sldId id="276" r:id="rId16"/>
+    <p:sldId id="269" r:id="rId17"/>
+    <p:sldId id="264" r:id="rId18"/>
+    <p:sldId id="265" r:id="rId19"/>
+    <p:sldId id="270" r:id="rId20"/>
+    <p:sldId id="277" r:id="rId21"/>
+    <p:sldId id="271" r:id="rId22"/>
+    <p:sldId id="272" r:id="rId23"/>
   </p:sldIdLst>
   <p:sldSz cx="12192000" cy="6858000"/>
   <p:notesSz cx="6858000" cy="9144000"/>
@@ -312,7 +316,7 @@
             <a:fld id="{81FD75FB-5EA3-4EA3-AE27-38B1FCAC2F47}" type="datetimeFigureOut">
               <a:rPr lang="ko-KR" altLang="en-US" smtClean="0"/>
               <a:pPr/>
-              <a:t>2020-04-12</a:t>
+              <a:t>2020-04-13</a:t>
             </a:fld>
             <a:endParaRPr lang="ko-KR" altLang="en-US"/>
           </a:p>
@@ -536,7 +540,7 @@
             <a:fld id="{81FD75FB-5EA3-4EA3-AE27-38B1FCAC2F47}" type="datetimeFigureOut">
               <a:rPr lang="ko-KR" altLang="en-US" smtClean="0"/>
               <a:pPr/>
-              <a:t>2020-04-12</a:t>
+              <a:t>2020-04-13</a:t>
             </a:fld>
             <a:endParaRPr lang="ko-KR" altLang="en-US"/>
           </a:p>
@@ -770,7 +774,7 @@
             <a:fld id="{81FD75FB-5EA3-4EA3-AE27-38B1FCAC2F47}" type="datetimeFigureOut">
               <a:rPr lang="ko-KR" altLang="en-US" smtClean="0"/>
               <a:pPr/>
-              <a:t>2020-04-12</a:t>
+              <a:t>2020-04-13</a:t>
             </a:fld>
             <a:endParaRPr lang="ko-KR" altLang="en-US"/>
           </a:p>
@@ -998,7 +1002,7 @@
             <a:fld id="{81FD75FB-5EA3-4EA3-AE27-38B1FCAC2F47}" type="datetimeFigureOut">
               <a:rPr lang="ko-KR" altLang="en-US" smtClean="0"/>
               <a:pPr/>
-              <a:t>2020-04-12</a:t>
+              <a:t>2020-04-13</a:t>
             </a:fld>
             <a:endParaRPr lang="ko-KR" altLang="en-US"/>
           </a:p>
@@ -1307,7 +1311,7 @@
             <a:fld id="{81FD75FB-5EA3-4EA3-AE27-38B1FCAC2F47}" type="datetimeFigureOut">
               <a:rPr lang="ko-KR" altLang="en-US" smtClean="0"/>
               <a:pPr/>
-              <a:t>2020-04-12</a:t>
+              <a:t>2020-04-13</a:t>
             </a:fld>
             <a:endParaRPr lang="ko-KR" altLang="en-US"/>
           </a:p>
@@ -1589,7 +1593,7 @@
           <a:p>
             <a:fld id="{81FD75FB-5EA3-4EA3-AE27-38B1FCAC2F47}" type="datetimeFigureOut">
               <a:rPr lang="ko-KR" altLang="en-US" smtClean="0"/>
-              <a:t>2020-04-12</a:t>
+              <a:t>2020-04-13</a:t>
             </a:fld>
             <a:endParaRPr lang="ko-KR" altLang="en-US"/>
           </a:p>
@@ -2001,7 +2005,7 @@
           <a:p>
             <a:fld id="{81FD75FB-5EA3-4EA3-AE27-38B1FCAC2F47}" type="datetimeFigureOut">
               <a:rPr lang="ko-KR" altLang="en-US" smtClean="0"/>
-              <a:t>2020-04-12</a:t>
+              <a:t>2020-04-13</a:t>
             </a:fld>
             <a:endParaRPr lang="ko-KR" altLang="en-US"/>
           </a:p>
@@ -2151,7 +2155,7 @@
             <a:fld id="{81FD75FB-5EA3-4EA3-AE27-38B1FCAC2F47}" type="datetimeFigureOut">
               <a:rPr lang="ko-KR" altLang="en-US" smtClean="0"/>
               <a:pPr/>
-              <a:t>2020-04-12</a:t>
+              <a:t>2020-04-13</a:t>
             </a:fld>
             <a:endParaRPr lang="ko-KR" altLang="en-US"/>
           </a:p>
@@ -2290,7 +2294,7 @@
             <a:fld id="{81FD75FB-5EA3-4EA3-AE27-38B1FCAC2F47}" type="datetimeFigureOut">
               <a:rPr lang="ko-KR" altLang="en-US" smtClean="0"/>
               <a:pPr/>
-              <a:t>2020-04-12</a:t>
+              <a:t>2020-04-13</a:t>
             </a:fld>
             <a:endParaRPr lang="ko-KR" altLang="en-US"/>
           </a:p>
@@ -2627,7 +2631,7 @@
             <a:fld id="{81FD75FB-5EA3-4EA3-AE27-38B1FCAC2F47}" type="datetimeFigureOut">
               <a:rPr lang="ko-KR" altLang="en-US" smtClean="0"/>
               <a:pPr/>
-              <a:t>2020-04-12</a:t>
+              <a:t>2020-04-13</a:t>
             </a:fld>
             <a:endParaRPr lang="ko-KR" altLang="en-US"/>
           </a:p>
@@ -2941,7 +2945,7 @@
             <a:fld id="{81FD75FB-5EA3-4EA3-AE27-38B1FCAC2F47}" type="datetimeFigureOut">
               <a:rPr lang="ko-KR" altLang="en-US" smtClean="0"/>
               <a:pPr/>
-              <a:t>2020-04-12</a:t>
+              <a:t>2020-04-13</a:t>
             </a:fld>
             <a:endParaRPr lang="ko-KR" altLang="en-US"/>
           </a:p>
@@ -3199,7 +3203,7 @@
           <a:p>
             <a:fld id="{81FD75FB-5EA3-4EA3-AE27-38B1FCAC2F47}" type="datetimeFigureOut">
               <a:rPr lang="ko-KR" altLang="en-US" smtClean="0"/>
-              <a:t>2020-04-12</a:t>
+              <a:t>2020-04-13</a:t>
             </a:fld>
             <a:endParaRPr lang="ko-KR" altLang="en-US"/>
           </a:p>
@@ -3904,7 +3908,7 @@
           <p:cNvPr id="2" name="제목 1">
             <a:extLst>
               <a:ext uri="{FF2B5EF4-FFF2-40B4-BE49-F238E27FC236}">
-                <a16:creationId xmlns:a16="http://schemas.microsoft.com/office/drawing/2014/main" id="{6DFE9288-F03F-4465-BA0F-D0409D9DF2B5}"/>
+                <a16:creationId xmlns:a16="http://schemas.microsoft.com/office/drawing/2014/main" id="{0C76AB40-DD9B-4DCB-9286-A699D796DD60}"/>
               </a:ext>
             </a:extLst>
           </p:cNvPr>
@@ -3926,7 +3930,7 @@
                   <a:srgbClr val="2FFF00"/>
                 </a:solidFill>
               </a:rPr>
-              <a:t>지형적 특성 파악</a:t>
+              <a:t>이동 경로 기록</a:t>
             </a:r>
           </a:p>
         </p:txBody>
@@ -3936,7 +3940,7 @@
           <p:cNvPr id="3" name="내용 개체 틀 2">
             <a:extLst>
               <a:ext uri="{FF2B5EF4-FFF2-40B4-BE49-F238E27FC236}">
-                <a16:creationId xmlns:a16="http://schemas.microsoft.com/office/drawing/2014/main" id="{8A490F79-B612-4C37-9DB2-0A5FB648805B}"/>
+                <a16:creationId xmlns:a16="http://schemas.microsoft.com/office/drawing/2014/main" id="{4436FAEC-D3F1-4159-B3A3-DECAF30E09FF}"/>
               </a:ext>
             </a:extLst>
           </p:cNvPr>
@@ -3953,258 +3957,6 @@
           <a:lstStyle/>
           <a:p>
             <a:pPr marL="514350" indent="-514350">
-              <a:buFont typeface="+mj-lt"/>
-              <a:buAutoNum type="arabicPeriod"/>
-            </a:pPr>
-            <a:r>
-              <a:rPr lang="ko-KR" altLang="en-US" dirty="0">
-                <a:solidFill>
-                  <a:srgbClr val="FFFFFF"/>
-                </a:solidFill>
-              </a:rPr>
-              <a:t>사용자가 </a:t>
-            </a:r>
-            <a:r>
-              <a:rPr lang="en-US" altLang="ko-KR" dirty="0">
-                <a:solidFill>
-                  <a:srgbClr val="FFFFFF"/>
-                </a:solidFill>
-              </a:rPr>
-              <a:t>‘</a:t>
-            </a:r>
-            <a:r>
-              <a:rPr lang="ko-KR" altLang="en-US" dirty="0">
-                <a:solidFill>
-                  <a:srgbClr val="FFFFFF"/>
-                </a:solidFill>
-              </a:rPr>
-              <a:t>달리기</a:t>
-            </a:r>
-            <a:r>
-              <a:rPr lang="en-US" altLang="ko-KR" dirty="0">
-                <a:solidFill>
-                  <a:srgbClr val="FFFFFF"/>
-                </a:solidFill>
-              </a:rPr>
-              <a:t>’ </a:t>
-            </a:r>
-            <a:r>
-              <a:rPr lang="ko-KR" altLang="en-US" dirty="0">
-                <a:solidFill>
-                  <a:srgbClr val="FFFFFF"/>
-                </a:solidFill>
-              </a:rPr>
-              <a:t>상태에 있습니다</a:t>
-            </a:r>
-            <a:r>
-              <a:rPr lang="en-US" altLang="ko-KR" dirty="0">
-                <a:solidFill>
-                  <a:srgbClr val="FFFFFF"/>
-                </a:solidFill>
-              </a:rPr>
-              <a:t>.</a:t>
-            </a:r>
-          </a:p>
-          <a:p>
-            <a:pPr marL="971550" lvl="1" indent="-514350">
-              <a:buFont typeface="+mj-lt"/>
-              <a:buAutoNum type="arabicPeriod"/>
-            </a:pPr>
-            <a:r>
-              <a:rPr lang="en-US" altLang="ko-KR" dirty="0">
-                <a:solidFill>
-                  <a:srgbClr val="FFFFFF"/>
-                </a:solidFill>
-              </a:rPr>
-              <a:t>FREE RUN/RECOMMENDED RUN </a:t>
-            </a:r>
-            <a:r>
-              <a:rPr lang="ko-KR" altLang="en-US" dirty="0">
-                <a:solidFill>
-                  <a:srgbClr val="FFFFFF"/>
-                </a:solidFill>
-              </a:rPr>
-              <a:t>두가지 다 해당됩니다</a:t>
-            </a:r>
-            <a:r>
-              <a:rPr lang="en-US" altLang="ko-KR" dirty="0">
-                <a:solidFill>
-                  <a:srgbClr val="FFFFFF"/>
-                </a:solidFill>
-              </a:rPr>
-              <a:t>.</a:t>
-            </a:r>
-          </a:p>
-          <a:p>
-            <a:pPr marL="514350" indent="-514350">
-              <a:buFont typeface="+mj-lt"/>
-              <a:buAutoNum type="arabicPeriod"/>
-            </a:pPr>
-            <a:r>
-              <a:rPr lang="ko-KR" altLang="en-US" dirty="0">
-                <a:solidFill>
-                  <a:srgbClr val="FFFFFF"/>
-                </a:solidFill>
-              </a:rPr>
-              <a:t>사용자의 이동 경로를 파악하는 주기</a:t>
-            </a:r>
-            <a:r>
-              <a:rPr lang="en-US" altLang="ko-KR" dirty="0">
-                <a:solidFill>
-                  <a:srgbClr val="FFFFFF"/>
-                </a:solidFill>
-              </a:rPr>
-              <a:t>(</a:t>
-            </a:r>
-            <a:r>
-              <a:rPr lang="ko-KR" altLang="en-US" dirty="0">
-                <a:solidFill>
-                  <a:srgbClr val="FFFFFF"/>
-                </a:solidFill>
-              </a:rPr>
-              <a:t>예</a:t>
-            </a:r>
-            <a:r>
-              <a:rPr lang="en-US" altLang="ko-KR" dirty="0">
-                <a:solidFill>
-                  <a:srgbClr val="FFFFFF"/>
-                </a:solidFill>
-              </a:rPr>
-              <a:t>:5</a:t>
-            </a:r>
-            <a:r>
-              <a:rPr lang="ko-KR" altLang="en-US" dirty="0">
-                <a:solidFill>
-                  <a:srgbClr val="FFFFFF"/>
-                </a:solidFill>
-              </a:rPr>
-              <a:t>초</a:t>
-            </a:r>
-            <a:r>
-              <a:rPr lang="en-US" altLang="ko-KR" dirty="0">
-                <a:solidFill>
-                  <a:srgbClr val="FFFFFF"/>
-                </a:solidFill>
-              </a:rPr>
-              <a:t>)</a:t>
-            </a:r>
-            <a:r>
-              <a:rPr lang="ko-KR" altLang="en-US" dirty="0">
-                <a:solidFill>
-                  <a:srgbClr val="FFFFFF"/>
-                </a:solidFill>
-              </a:rPr>
-              <a:t>당 한번씩 실행됩니다</a:t>
-            </a:r>
-            <a:r>
-              <a:rPr lang="en-US" altLang="ko-KR" dirty="0">
-                <a:solidFill>
-                  <a:srgbClr val="FFFFFF"/>
-                </a:solidFill>
-              </a:rPr>
-              <a:t>.</a:t>
-            </a:r>
-          </a:p>
-          <a:p>
-            <a:pPr marL="514350" indent="-514350">
-              <a:buFont typeface="+mj-lt"/>
-              <a:buAutoNum type="arabicPeriod"/>
-            </a:pPr>
-            <a:r>
-              <a:rPr lang="ko-KR" altLang="en-US" dirty="0">
-                <a:solidFill>
-                  <a:srgbClr val="FFFFFF"/>
-                </a:solidFill>
-              </a:rPr>
-              <a:t>짧은 시간 </a:t>
-            </a:r>
-            <a:r>
-              <a:rPr lang="ko-KR" altLang="en-US" dirty="0">
-                <a:solidFill>
-                  <a:srgbClr val="FF0000"/>
-                </a:solidFill>
-              </a:rPr>
-              <a:t>사용자가 달리는 소리를 녹음</a:t>
-            </a:r>
-            <a:r>
-              <a:rPr lang="ko-KR" altLang="en-US" dirty="0">
-                <a:solidFill>
-                  <a:srgbClr val="FFFFFF"/>
-                </a:solidFill>
-              </a:rPr>
-              <a:t>합니다</a:t>
-            </a:r>
-            <a:r>
-              <a:rPr lang="en-US" altLang="ko-KR" dirty="0">
-                <a:solidFill>
-                  <a:srgbClr val="FFFFFF"/>
-                </a:solidFill>
-              </a:rPr>
-              <a:t>.</a:t>
-            </a:r>
-          </a:p>
-          <a:p>
-            <a:pPr marL="514350" indent="-514350">
-              <a:buFont typeface="+mj-lt"/>
-              <a:buAutoNum type="arabicPeriod"/>
-            </a:pPr>
-            <a:r>
-              <a:rPr lang="ko-KR" altLang="en-US" dirty="0">
-                <a:solidFill>
-                  <a:srgbClr val="FFFFFF"/>
-                </a:solidFill>
-              </a:rPr>
-              <a:t>앱 내에서 </a:t>
-            </a:r>
-            <a:r>
-              <a:rPr lang="ko-KR" altLang="en-US" dirty="0">
-                <a:solidFill>
-                  <a:srgbClr val="FF0000"/>
-                </a:solidFill>
-              </a:rPr>
-              <a:t>기존에 학습된 데이터를 통해 지형을 분류</a:t>
-            </a:r>
-            <a:r>
-              <a:rPr lang="ko-KR" altLang="en-US" dirty="0">
-                <a:solidFill>
-                  <a:srgbClr val="FFFFFF"/>
-                </a:solidFill>
-              </a:rPr>
-              <a:t>합니다</a:t>
-            </a:r>
-            <a:r>
-              <a:rPr lang="en-US" altLang="ko-KR" dirty="0">
-                <a:solidFill>
-                  <a:srgbClr val="FFFFFF"/>
-                </a:solidFill>
-              </a:rPr>
-              <a:t>.</a:t>
-            </a:r>
-          </a:p>
-          <a:p>
-            <a:pPr marL="514350" indent="-514350">
-              <a:buFont typeface="+mj-lt"/>
-              <a:buAutoNum type="arabicPeriod"/>
-            </a:pPr>
-            <a:r>
-              <a:rPr lang="ko-KR" altLang="en-US" dirty="0">
-                <a:solidFill>
-                  <a:srgbClr val="FFFFFF"/>
-                </a:solidFill>
-              </a:rPr>
-              <a:t>결과를 이동경로 데이터와 함께 첨부하여 서버로 전송합니다</a:t>
-            </a:r>
-            <a:r>
-              <a:rPr lang="en-US" altLang="ko-KR" dirty="0">
-                <a:solidFill>
-                  <a:srgbClr val="FFFFFF"/>
-                </a:solidFill>
-              </a:rPr>
-              <a:t>.</a:t>
-            </a:r>
-          </a:p>
-          <a:p>
-            <a:pPr marL="971550" lvl="1" indent="-514350">
               <a:buFont typeface="+mj-lt"/>
               <a:buAutoNum type="arabicPeriod"/>
             </a:pPr>
@@ -4214,12 +3966,64 @@
               </a:solidFill>
             </a:endParaRPr>
           </a:p>
-        </p:txBody>
-      </p:sp>
+          <a:p>
+            <a:pPr marL="514350" indent="-514350">
+              <a:buFont typeface="+mj-lt"/>
+              <a:buAutoNum type="arabicPeriod"/>
+            </a:pPr>
+            <a:endParaRPr lang="ko-KR" altLang="en-US" dirty="0">
+              <a:solidFill>
+                <a:srgbClr val="FFFFFF"/>
+              </a:solidFill>
+            </a:endParaRPr>
+          </a:p>
+        </p:txBody>
+      </p:sp>
+      <p:pic>
+        <p:nvPicPr>
+          <p:cNvPr id="5" name="그림 4" descr="스크린샷이(가) 표시된 사진&#10;&#10;자동 생성된 설명">
+            <a:extLst>
+              <a:ext uri="{FF2B5EF4-FFF2-40B4-BE49-F238E27FC236}">
+                <a16:creationId xmlns:a16="http://schemas.microsoft.com/office/drawing/2014/main" id="{7F941522-09FD-425B-A30C-9EAD32AC54E8}"/>
+              </a:ext>
+            </a:extLst>
+          </p:cNvPr>
+          <p:cNvPicPr/>
+          <p:nvPr/>
+        </p:nvPicPr>
+        <p:blipFill rotWithShape="1">
+          <a:blip r:embed="rId2">
+            <a:extLst>
+              <a:ext uri="{28A0092B-C50C-407E-A947-70E740481C1C}">
+                <a14:useLocalDpi xmlns:a14="http://schemas.microsoft.com/office/drawing/2010/main" val="0"/>
+              </a:ext>
+            </a:extLst>
+          </a:blip>
+          <a:srcRect b="26728"/>
+          <a:stretch/>
+        </p:blipFill>
+        <p:spPr bwMode="auto">
+          <a:xfrm>
+            <a:off x="1112274" y="1825625"/>
+            <a:ext cx="9967452" cy="4486275"/>
+          </a:xfrm>
+          <a:prstGeom prst="rect">
+            <a:avLst/>
+          </a:prstGeom>
+          <a:ln>
+            <a:noFill/>
+          </a:ln>
+          <a:extLst>
+            <a:ext uri="{53640926-AAD7-44D8-BBD7-CCE9431645EC}">
+              <a14:shadowObscured xmlns:a14="http://schemas.microsoft.com/office/drawing/2010/main"/>
+            </a:ext>
+          </a:extLst>
+        </p:spPr>
+      </p:pic>
     </p:spTree>
     <p:extLst>
       <p:ext uri="{BB962C8B-B14F-4D97-AF65-F5344CB8AC3E}">
-        <p14:creationId xmlns:p14="http://schemas.microsoft.com/office/powerpoint/2010/main" val="1056279771"/>
+        <p14:creationId xmlns:p14="http://schemas.microsoft.com/office/powerpoint/2010/main" val="4284940540"/>
       </p:ext>
     </p:extLst>
   </p:cSld>
@@ -4251,7 +4055,7 @@
           <p:cNvPr id="2" name="제목 1">
             <a:extLst>
               <a:ext uri="{FF2B5EF4-FFF2-40B4-BE49-F238E27FC236}">
-                <a16:creationId xmlns:a16="http://schemas.microsoft.com/office/drawing/2014/main" id="{C8D717B5-02E0-4752-AF69-14BEA0425F7E}"/>
+                <a16:creationId xmlns:a16="http://schemas.microsoft.com/office/drawing/2014/main" id="{883BEC4E-19EC-4154-A0CB-9B45B63569EF}"/>
               </a:ext>
             </a:extLst>
           </p:cNvPr>
@@ -4268,18 +4072,13 @@
           <a:lstStyle/>
           <a:p>
             <a:r>
-              <a:rPr lang="en-US" altLang="ko-KR" dirty="0">
+              <a:rPr lang="ko-KR" altLang="en-US" dirty="0">
                 <a:solidFill>
                   <a:srgbClr val="2FFF00"/>
                 </a:solidFill>
               </a:rPr>
-              <a:t>FREE RUN</a:t>
-            </a:r>
-            <a:endParaRPr lang="ko-KR" altLang="en-US" dirty="0">
-              <a:solidFill>
-                <a:srgbClr val="2FFF00"/>
-              </a:solidFill>
-            </a:endParaRPr>
+              <a:t>지형적 특성 파악</a:t>
+            </a:r>
           </a:p>
         </p:txBody>
       </p:sp>
@@ -4288,7 +4087,7 @@
           <p:cNvPr id="3" name="내용 개체 틀 2">
             <a:extLst>
               <a:ext uri="{FF2B5EF4-FFF2-40B4-BE49-F238E27FC236}">
-                <a16:creationId xmlns:a16="http://schemas.microsoft.com/office/drawing/2014/main" id="{50A78AF3-D1CD-45BE-A37B-FB280B740661}"/>
+                <a16:creationId xmlns:a16="http://schemas.microsoft.com/office/drawing/2014/main" id="{77C33641-3533-42D3-9867-4D803A426436}"/>
               </a:ext>
             </a:extLst>
           </p:cNvPr>
@@ -4310,20 +4109,28 @@
                   <a:srgbClr val="FFFFFF"/>
                 </a:solidFill>
               </a:rPr>
-              <a:t>달리기 이전 시점에 </a:t>
-            </a:r>
-            <a:r>
-              <a:rPr lang="ko-KR" altLang="en-US" dirty="0">
-                <a:solidFill>
-                  <a:srgbClr val="FF0000"/>
-                </a:solidFill>
-              </a:rPr>
-              <a:t>추천경로를 제시하지 않습니다</a:t>
-            </a:r>
-            <a:r>
-              <a:rPr lang="en-US" altLang="ko-KR" dirty="0">
-                <a:solidFill>
-                  <a:srgbClr val="FF0000"/>
+              <a:t>사용자가 달리는 시점에서 마이크를 이용</a:t>
+            </a:r>
+            <a:r>
+              <a:rPr lang="en-US" altLang="ko-KR" dirty="0">
+                <a:solidFill>
+                  <a:srgbClr val="FFFFFF"/>
+                </a:solidFill>
+              </a:rPr>
+              <a:t>, </a:t>
+            </a:r>
+            <a:r>
+              <a:rPr lang="ko-KR" altLang="en-US" dirty="0">
+                <a:solidFill>
+                  <a:srgbClr val="FFFFFF"/>
+                </a:solidFill>
+              </a:rPr>
+              <a:t>현재 사용자가 달리는 길의 특성을 파악합니다</a:t>
+            </a:r>
+            <a:r>
+              <a:rPr lang="en-US" altLang="ko-KR" dirty="0">
+                <a:solidFill>
+                  <a:srgbClr val="FFFFFF"/>
                 </a:solidFill>
               </a:rPr>
               <a:t>.</a:t>
@@ -4336,7 +4143,7 @@
                   <a:srgbClr val="FFFFFF"/>
                 </a:solidFill>
               </a:rPr>
-              <a:t>현재 위치와 지금까지 달린 경로</a:t>
+              <a:t>흙으로 된 길인지</a:t>
             </a:r>
             <a:r>
               <a:rPr lang="en-US" altLang="ko-KR" dirty="0">
@@ -4352,7 +4159,7 @@
                   <a:srgbClr val="FFFFFF"/>
                 </a:solidFill>
               </a:rPr>
-              <a:t>시간</a:t>
+              <a:t>자갈길인지</a:t>
             </a:r>
             <a:r>
               <a:rPr lang="en-US" altLang="ko-KR" dirty="0">
@@ -4368,7 +4175,7 @@
                   <a:srgbClr val="FFFFFF"/>
                 </a:solidFill>
               </a:rPr>
-              <a:t>소모 칼로리 등을 알려줍니다</a:t>
+              <a:t>단단한 길인지 구별하여 서버에 저장합니다</a:t>
             </a:r>
             <a:r>
               <a:rPr lang="en-US" altLang="ko-KR" dirty="0">
@@ -4386,23 +4193,7 @@
                   <a:srgbClr val="FFFFFF"/>
                 </a:solidFill>
               </a:rPr>
-              <a:t>달리는 길에 추천경로가 있을 경우</a:t>
-            </a:r>
-            <a:r>
-              <a:rPr lang="en-US" altLang="ko-KR" dirty="0">
-                <a:solidFill>
-                  <a:srgbClr val="FFFFFF"/>
-                </a:solidFill>
-              </a:rPr>
-              <a:t>, </a:t>
-            </a:r>
-            <a:r>
-              <a:rPr lang="ko-KR" altLang="en-US" dirty="0">
-                <a:solidFill>
-                  <a:srgbClr val="FFFFFF"/>
-                </a:solidFill>
-              </a:rPr>
-              <a:t>사용자에게 이를 알려줍니다</a:t>
+              <a:t>이는 추후 사용자에게 경로를 추천하는데 데이터로써 이용됩니다</a:t>
             </a:r>
             <a:r>
               <a:rPr lang="en-US" altLang="ko-KR" dirty="0">
@@ -4412,20 +4203,13 @@
               </a:rPr>
               <a:t>.</a:t>
             </a:r>
-          </a:p>
-          <a:p>
-            <a:endParaRPr lang="ko-KR" altLang="en-US" dirty="0">
-              <a:solidFill>
-                <a:srgbClr val="FFFFFF"/>
-              </a:solidFill>
-            </a:endParaRPr>
           </a:p>
         </p:txBody>
       </p:sp>
     </p:spTree>
     <p:extLst>
       <p:ext uri="{BB962C8B-B14F-4D97-AF65-F5344CB8AC3E}">
-        <p14:creationId xmlns:p14="http://schemas.microsoft.com/office/powerpoint/2010/main" val="1715162914"/>
+        <p14:creationId xmlns:p14="http://schemas.microsoft.com/office/powerpoint/2010/main" val="2466403087"/>
       </p:ext>
     </p:extLst>
   </p:cSld>
@@ -4457,7 +4241,7 @@
           <p:cNvPr id="2" name="제목 1">
             <a:extLst>
               <a:ext uri="{FF2B5EF4-FFF2-40B4-BE49-F238E27FC236}">
-                <a16:creationId xmlns:a16="http://schemas.microsoft.com/office/drawing/2014/main" id="{2AF9C316-D345-4FDA-A465-ACB83D956C34}"/>
+                <a16:creationId xmlns:a16="http://schemas.microsoft.com/office/drawing/2014/main" id="{6DFE9288-F03F-4465-BA0F-D0409D9DF2B5}"/>
               </a:ext>
             </a:extLst>
           </p:cNvPr>
@@ -4474,36 +4258,12 @@
           <a:lstStyle/>
           <a:p>
             <a:r>
-              <a:rPr lang="en-US" altLang="ko-KR" dirty="0">
+              <a:rPr lang="ko-KR" altLang="en-US" dirty="0">
                 <a:solidFill>
                   <a:srgbClr val="2FFF00"/>
                 </a:solidFill>
               </a:rPr>
-              <a:t>FREE</a:t>
-            </a:r>
-            <a:r>
-              <a:rPr lang="ko-KR" altLang="en-US" dirty="0">
-                <a:solidFill>
-                  <a:srgbClr val="2FFF00"/>
-                </a:solidFill>
-              </a:rPr>
-              <a:t> </a:t>
-            </a:r>
-            <a:r>
-              <a:rPr lang="en-US" altLang="ko-KR" dirty="0">
-                <a:solidFill>
-                  <a:srgbClr val="2FFF00"/>
-                </a:solidFill>
-              </a:rPr>
-              <a:t>RUN/</a:t>
-            </a:r>
-            <a:r>
-              <a:rPr lang="ko-KR" altLang="en-US" dirty="0">
-                <a:solidFill>
-                  <a:srgbClr val="2FFF00"/>
-                </a:solidFill>
-              </a:rPr>
-              <a:t>달리기 종료 후</a:t>
+              <a:t>지형적 특성 파악</a:t>
             </a:r>
           </a:p>
         </p:txBody>
@@ -4513,7 +4273,7 @@
           <p:cNvPr id="3" name="내용 개체 틀 2">
             <a:extLst>
               <a:ext uri="{FF2B5EF4-FFF2-40B4-BE49-F238E27FC236}">
-                <a16:creationId xmlns:a16="http://schemas.microsoft.com/office/drawing/2014/main" id="{1ED1EF22-77A7-416E-A10F-28137477BEBA}"/>
+                <a16:creationId xmlns:a16="http://schemas.microsoft.com/office/drawing/2014/main" id="{8A490F79-B612-4C37-9DB2-0A5FB648805B}"/>
               </a:ext>
             </a:extLst>
           </p:cNvPr>
@@ -4529,13 +4289,171 @@
           <a:bodyPr/>
           <a:lstStyle/>
           <a:p>
-            <a:r>
-              <a:rPr lang="ko-KR" altLang="en-US" dirty="0">
-                <a:solidFill>
-                  <a:srgbClr val="FFFFFF"/>
-                </a:solidFill>
-              </a:rPr>
-              <a:t>사용자에게 해당 </a:t>
+            <a:pPr marL="514350" indent="-514350">
+              <a:buFont typeface="+mj-lt"/>
+              <a:buAutoNum type="arabicPeriod"/>
+            </a:pPr>
+            <a:r>
+              <a:rPr lang="ko-KR" altLang="en-US" dirty="0">
+                <a:solidFill>
+                  <a:srgbClr val="FFFFFF"/>
+                </a:solidFill>
+              </a:rPr>
+              <a:t>사용자가 </a:t>
+            </a:r>
+            <a:r>
+              <a:rPr lang="en-US" altLang="ko-KR" dirty="0">
+                <a:solidFill>
+                  <a:srgbClr val="FFFFFF"/>
+                </a:solidFill>
+              </a:rPr>
+              <a:t>‘</a:t>
+            </a:r>
+            <a:r>
+              <a:rPr lang="ko-KR" altLang="en-US" dirty="0">
+                <a:solidFill>
+                  <a:srgbClr val="FFFFFF"/>
+                </a:solidFill>
+              </a:rPr>
+              <a:t>달리기</a:t>
+            </a:r>
+            <a:r>
+              <a:rPr lang="en-US" altLang="ko-KR" dirty="0">
+                <a:solidFill>
+                  <a:srgbClr val="FFFFFF"/>
+                </a:solidFill>
+              </a:rPr>
+              <a:t>’ </a:t>
+            </a:r>
+            <a:r>
+              <a:rPr lang="ko-KR" altLang="en-US" dirty="0">
+                <a:solidFill>
+                  <a:srgbClr val="FFFFFF"/>
+                </a:solidFill>
+              </a:rPr>
+              <a:t>상태에 있습니다</a:t>
+            </a:r>
+            <a:r>
+              <a:rPr lang="en-US" altLang="ko-KR" dirty="0">
+                <a:solidFill>
+                  <a:srgbClr val="FFFFFF"/>
+                </a:solidFill>
+              </a:rPr>
+              <a:t>.</a:t>
+            </a:r>
+          </a:p>
+          <a:p>
+            <a:pPr marL="971550" lvl="1" indent="-514350">
+              <a:buFont typeface="+mj-lt"/>
+              <a:buAutoNum type="arabicPeriod"/>
+            </a:pPr>
+            <a:r>
+              <a:rPr lang="en-US" altLang="ko-KR" dirty="0">
+                <a:solidFill>
+                  <a:srgbClr val="FFFFFF"/>
+                </a:solidFill>
+              </a:rPr>
+              <a:t>FREE RUN/RECOMMENDED RUN </a:t>
+            </a:r>
+            <a:r>
+              <a:rPr lang="ko-KR" altLang="en-US" dirty="0">
+                <a:solidFill>
+                  <a:srgbClr val="FFFFFF"/>
+                </a:solidFill>
+              </a:rPr>
+              <a:t>두가지 다 해당됩니다</a:t>
+            </a:r>
+            <a:r>
+              <a:rPr lang="en-US" altLang="ko-KR" dirty="0">
+                <a:solidFill>
+                  <a:srgbClr val="FFFFFF"/>
+                </a:solidFill>
+              </a:rPr>
+              <a:t>.</a:t>
+            </a:r>
+          </a:p>
+          <a:p>
+            <a:pPr marL="514350" indent="-514350">
+              <a:buFont typeface="+mj-lt"/>
+              <a:buAutoNum type="arabicPeriod"/>
+            </a:pPr>
+            <a:r>
+              <a:rPr lang="ko-KR" altLang="en-US" dirty="0">
+                <a:solidFill>
+                  <a:srgbClr val="FFFFFF"/>
+                </a:solidFill>
+              </a:rPr>
+              <a:t>사용자의 이동 경로를 파악하는 주기</a:t>
+            </a:r>
+            <a:r>
+              <a:rPr lang="en-US" altLang="ko-KR" dirty="0">
+                <a:solidFill>
+                  <a:srgbClr val="FFFFFF"/>
+                </a:solidFill>
+              </a:rPr>
+              <a:t>(</a:t>
+            </a:r>
+            <a:r>
+              <a:rPr lang="ko-KR" altLang="en-US" dirty="0">
+                <a:solidFill>
+                  <a:srgbClr val="FFFFFF"/>
+                </a:solidFill>
+              </a:rPr>
+              <a:t>예</a:t>
+            </a:r>
+            <a:r>
+              <a:rPr lang="en-US" altLang="ko-KR" dirty="0">
+                <a:solidFill>
+                  <a:srgbClr val="FFFFFF"/>
+                </a:solidFill>
+              </a:rPr>
+              <a:t>:5</a:t>
+            </a:r>
+            <a:r>
+              <a:rPr lang="ko-KR" altLang="en-US" dirty="0">
+                <a:solidFill>
+                  <a:srgbClr val="FFFFFF"/>
+                </a:solidFill>
+              </a:rPr>
+              <a:t>초</a:t>
+            </a:r>
+            <a:r>
+              <a:rPr lang="en-US" altLang="ko-KR" dirty="0">
+                <a:solidFill>
+                  <a:srgbClr val="FFFFFF"/>
+                </a:solidFill>
+              </a:rPr>
+              <a:t>)</a:t>
+            </a:r>
+            <a:r>
+              <a:rPr lang="ko-KR" altLang="en-US" dirty="0">
+                <a:solidFill>
+                  <a:srgbClr val="FFFFFF"/>
+                </a:solidFill>
+              </a:rPr>
+              <a:t>당 한번씩 실행됩니다</a:t>
+            </a:r>
+            <a:r>
+              <a:rPr lang="en-US" altLang="ko-KR" dirty="0">
+                <a:solidFill>
+                  <a:srgbClr val="FFFFFF"/>
+                </a:solidFill>
+              </a:rPr>
+              <a:t>.</a:t>
+            </a:r>
+          </a:p>
+          <a:p>
+            <a:pPr marL="514350" indent="-514350">
+              <a:buFont typeface="+mj-lt"/>
+              <a:buAutoNum type="arabicPeriod"/>
+            </a:pPr>
+            <a:r>
+              <a:rPr lang="ko-KR" altLang="en-US" dirty="0">
+                <a:solidFill>
+                  <a:srgbClr val="FFFFFF"/>
+                </a:solidFill>
+              </a:rPr>
+              <a:t>짧은 시간 </a:t>
             </a:r>
             <a:r>
               <a:rPr lang="ko-KR" altLang="en-US" dirty="0">
@@ -4543,15 +4461,15 @@
                   <a:srgbClr val="FF0000"/>
                 </a:solidFill>
               </a:rPr>
-              <a:t>조깅 경험에 대한 평가</a:t>
-            </a:r>
-            <a:r>
-              <a:rPr lang="ko-KR" altLang="en-US" dirty="0">
-                <a:solidFill>
-                  <a:srgbClr val="FFFFFF"/>
-                </a:solidFill>
-              </a:rPr>
-              <a:t>를 받습니다</a:t>
+              <a:t>사용자가 달리는 소리를 녹음</a:t>
+            </a:r>
+            <a:r>
+              <a:rPr lang="ko-KR" altLang="en-US" dirty="0">
+                <a:solidFill>
+                  <a:srgbClr val="FFFFFF"/>
+                </a:solidFill>
+              </a:rPr>
+              <a:t>합니다</a:t>
             </a:r>
             <a:r>
               <a:rPr lang="en-US" altLang="ko-KR" dirty="0">
@@ -4563,29 +4481,33 @@
             </a:r>
           </a:p>
           <a:p>
-            <a:r>
-              <a:rPr lang="ko-KR" altLang="en-US" dirty="0">
-                <a:solidFill>
-                  <a:srgbClr val="FFFFFF"/>
-                </a:solidFill>
-              </a:rPr>
-              <a:t>달리기 중 서버에서 수집한 경로 정보를 </a:t>
-            </a:r>
-            <a:r>
-              <a:rPr lang="en-US" altLang="ko-KR" dirty="0">
-                <a:solidFill>
-                  <a:srgbClr val="FFFFFF"/>
-                </a:solidFill>
-              </a:rPr>
-              <a:t>1:N </a:t>
-            </a:r>
-            <a:r>
-              <a:rPr lang="ko-KR" altLang="en-US" dirty="0">
-                <a:solidFill>
-                  <a:srgbClr val="FFFFFF"/>
-                </a:solidFill>
-              </a:rPr>
-              <a:t>관계로 저장합니다</a:t>
+            <a:pPr marL="514350" indent="-514350">
+              <a:buFont typeface="+mj-lt"/>
+              <a:buAutoNum type="arabicPeriod"/>
+            </a:pPr>
+            <a:r>
+              <a:rPr lang="ko-KR" altLang="en-US" dirty="0">
+                <a:solidFill>
+                  <a:srgbClr val="FFFFFF"/>
+                </a:solidFill>
+              </a:rPr>
+              <a:t>앱 내에서 </a:t>
+            </a:r>
+            <a:r>
+              <a:rPr lang="ko-KR" altLang="en-US" dirty="0">
+                <a:solidFill>
+                  <a:srgbClr val="FF0000"/>
+                </a:solidFill>
+              </a:rPr>
+              <a:t>기존에 학습된 데이터를 통해 지형을 분류</a:t>
+            </a:r>
+            <a:r>
+              <a:rPr lang="ko-KR" altLang="en-US" dirty="0">
+                <a:solidFill>
+                  <a:srgbClr val="FFFFFF"/>
+                </a:solidFill>
+              </a:rPr>
+              <a:t>합니다</a:t>
             </a:r>
             <a:r>
               <a:rPr lang="en-US" altLang="ko-KR" dirty="0">
@@ -4597,13 +4519,17 @@
             </a:r>
           </a:p>
           <a:p>
-            <a:r>
-              <a:rPr lang="ko-KR" altLang="en-US" dirty="0">
-                <a:solidFill>
-                  <a:srgbClr val="FFFFFF"/>
-                </a:solidFill>
-              </a:rPr>
-              <a:t>사용자에게 해당 경로에 대한 통계를 전송합니다</a:t>
+            <a:pPr marL="514350" indent="-514350">
+              <a:buFont typeface="+mj-lt"/>
+              <a:buAutoNum type="arabicPeriod"/>
+            </a:pPr>
+            <a:r>
+              <a:rPr lang="ko-KR" altLang="en-US" dirty="0">
+                <a:solidFill>
+                  <a:srgbClr val="FFFFFF"/>
+                </a:solidFill>
+              </a:rPr>
+              <a:t>결과를 이동경로 데이터와 함께 첨부하여 서버로 전송합니다</a:t>
             </a:r>
             <a:r>
               <a:rPr lang="en-US" altLang="ko-KR" dirty="0">
@@ -4615,25 +4541,22 @@
             </a:r>
           </a:p>
           <a:p>
+            <a:pPr marL="971550" lvl="1" indent="-514350">
+              <a:buFont typeface="+mj-lt"/>
+              <a:buAutoNum type="arabicPeriod"/>
+            </a:pPr>
             <a:endParaRPr lang="en-US" altLang="ko-KR" dirty="0">
               <a:solidFill>
                 <a:srgbClr val="FFFFFF"/>
               </a:solidFill>
             </a:endParaRPr>
           </a:p>
-          <a:p>
-            <a:endParaRPr lang="ko-KR" altLang="en-US" dirty="0">
-              <a:solidFill>
-                <a:srgbClr val="FFFFFF"/>
-              </a:solidFill>
-            </a:endParaRPr>
-          </a:p>
         </p:txBody>
       </p:sp>
     </p:spTree>
     <p:extLst>
       <p:ext uri="{BB962C8B-B14F-4D97-AF65-F5344CB8AC3E}">
-        <p14:creationId xmlns:p14="http://schemas.microsoft.com/office/powerpoint/2010/main" val="2583277109"/>
+        <p14:creationId xmlns:p14="http://schemas.microsoft.com/office/powerpoint/2010/main" val="1056279771"/>
       </p:ext>
     </p:extLst>
   </p:cSld>
@@ -4665,7 +4588,7 @@
           <p:cNvPr id="2" name="제목 1">
             <a:extLst>
               <a:ext uri="{FF2B5EF4-FFF2-40B4-BE49-F238E27FC236}">
-                <a16:creationId xmlns:a16="http://schemas.microsoft.com/office/drawing/2014/main" id="{2AF9C316-D345-4FDA-A465-ACB83D956C34}"/>
+                <a16:creationId xmlns:a16="http://schemas.microsoft.com/office/drawing/2014/main" id="{C8D717B5-02E0-4752-AF69-14BEA0425F7E}"/>
               </a:ext>
             </a:extLst>
           </p:cNvPr>
@@ -4682,36 +4605,12 @@
           <a:lstStyle/>
           <a:p>
             <a:r>
-              <a:rPr lang="ko-KR" altLang="en-US" dirty="0">
+              <a:rPr lang="en-US" altLang="ko-KR" dirty="0">
                 <a:solidFill>
                   <a:srgbClr val="2FFF00"/>
                 </a:solidFill>
               </a:rPr>
-              <a:t>달리기 종료 후</a:t>
-            </a:r>
-            <a:r>
-              <a:rPr lang="en-US" altLang="ko-KR" dirty="0">
-                <a:solidFill>
-                  <a:srgbClr val="2FFF00"/>
-                </a:solidFill>
-              </a:rPr>
-              <a:t>(</a:t>
-            </a:r>
-            <a:r>
-              <a:rPr lang="ko-KR" altLang="en-US" dirty="0">
-                <a:solidFill>
-                  <a:srgbClr val="2FFF00"/>
-                </a:solidFill>
-              </a:rPr>
-              <a:t>비동기 처리</a:t>
-            </a:r>
-            <a:r>
-              <a:rPr lang="en-US" altLang="ko-KR" dirty="0">
-                <a:solidFill>
-                  <a:srgbClr val="2FFF00"/>
-                </a:solidFill>
-              </a:rPr>
-              <a:t>)</a:t>
+              <a:t>FREE RUN</a:t>
             </a:r>
             <a:endParaRPr lang="ko-KR" altLang="en-US" dirty="0">
               <a:solidFill>
@@ -4726,7 +4625,7 @@
           <p:cNvPr id="3" name="내용 개체 틀 2">
             <a:extLst>
               <a:ext uri="{FF2B5EF4-FFF2-40B4-BE49-F238E27FC236}">
-                <a16:creationId xmlns:a16="http://schemas.microsoft.com/office/drawing/2014/main" id="{1ED1EF22-77A7-416E-A10F-28137477BEBA}"/>
+                <a16:creationId xmlns:a16="http://schemas.microsoft.com/office/drawing/2014/main" id="{50A78AF3-D1CD-45BE-A37B-FB280B740661}"/>
               </a:ext>
             </a:extLst>
           </p:cNvPr>
@@ -4748,7 +4647,7 @@
                   <a:srgbClr val="FFFFFF"/>
                 </a:solidFill>
               </a:rPr>
-              <a:t>해당 경로들 가운데에서 </a:t>
+              <a:t>달리기 이전 시점에 </a:t>
             </a:r>
             <a:r>
               <a:rPr lang="ko-KR" altLang="en-US" dirty="0">
@@ -4756,20 +4655,12 @@
                   <a:srgbClr val="FF0000"/>
                 </a:solidFill>
               </a:rPr>
-              <a:t>공통 경로가 존재하는 추천경로</a:t>
-            </a:r>
-            <a:r>
-              <a:rPr lang="ko-KR" altLang="en-US" dirty="0">
-                <a:solidFill>
-                  <a:srgbClr val="FFFFFF"/>
-                </a:solidFill>
-              </a:rPr>
-              <a:t>를 찾습니다</a:t>
-            </a:r>
-            <a:r>
-              <a:rPr lang="en-US" altLang="ko-KR" dirty="0">
-                <a:solidFill>
-                  <a:srgbClr val="FFFFFF"/>
+              <a:t>추천경로를 제시하지 않습니다</a:t>
+            </a:r>
+            <a:r>
+              <a:rPr lang="en-US" altLang="ko-KR" dirty="0">
+                <a:solidFill>
+                  <a:srgbClr val="FF0000"/>
                 </a:solidFill>
               </a:rPr>
               <a:t>.</a:t>
@@ -4782,7 +4673,7 @@
                   <a:srgbClr val="FFFFFF"/>
                 </a:solidFill>
               </a:rPr>
-              <a:t>공통 경로가 존재하는 경우</a:t>
+              <a:t>현재 위치와 지금까지 달린 경로</a:t>
             </a:r>
             <a:r>
               <a:rPr lang="en-US" altLang="ko-KR" dirty="0">
@@ -4798,39 +4689,23 @@
                   <a:srgbClr val="FFFFFF"/>
                 </a:solidFill>
               </a:rPr>
-              <a:t>사용자 연령과 체중 등 신체적 정보를 </a:t>
-            </a:r>
-            <a:r>
-              <a:rPr lang="ko-KR" altLang="en-US" dirty="0" err="1">
-                <a:solidFill>
-                  <a:srgbClr val="FFFFFF"/>
-                </a:solidFill>
-              </a:rPr>
-              <a:t>익명화하여</a:t>
-            </a:r>
-            <a:r>
-              <a:rPr lang="ko-KR" altLang="en-US" dirty="0">
-                <a:solidFill>
-                  <a:srgbClr val="FFFFFF"/>
-                </a:solidFill>
-              </a:rPr>
-              <a:t> 추천경로에 </a:t>
-            </a:r>
-            <a:r>
-              <a:rPr lang="en-US" altLang="ko-KR" dirty="0">
-                <a:solidFill>
-                  <a:srgbClr val="FFFFFF"/>
-                </a:solidFill>
-              </a:rPr>
-              <a:t>1:N </a:t>
-            </a:r>
-            <a:r>
-              <a:rPr lang="ko-KR" altLang="en-US" dirty="0">
-                <a:solidFill>
-                  <a:srgbClr val="FFFFFF"/>
-                </a:solidFill>
-              </a:rPr>
-              <a:t>관계로 생성합니다</a:t>
+              <a:t>시간</a:t>
+            </a:r>
+            <a:r>
+              <a:rPr lang="en-US" altLang="ko-KR" dirty="0">
+                <a:solidFill>
+                  <a:srgbClr val="FFFFFF"/>
+                </a:solidFill>
+              </a:rPr>
+              <a:t>, </a:t>
+            </a:r>
+            <a:r>
+              <a:rPr lang="ko-KR" altLang="en-US" dirty="0">
+                <a:solidFill>
+                  <a:srgbClr val="FFFFFF"/>
+                </a:solidFill>
+              </a:rPr>
+              <a:t>소모 칼로리 등을 알려줍니다</a:t>
             </a:r>
             <a:r>
               <a:rPr lang="en-US" altLang="ko-KR" dirty="0">
@@ -4848,7 +4723,23 @@
                   <a:srgbClr val="FFFFFF"/>
                 </a:solidFill>
               </a:rPr>
-              <a:t>이 데이터는 이후 다른 사용자에게 조깅 경로를 추천하는데 이용됩니다</a:t>
+              <a:t>달리는 길에 추천경로가 있을 경우</a:t>
+            </a:r>
+            <a:r>
+              <a:rPr lang="en-US" altLang="ko-KR" dirty="0">
+                <a:solidFill>
+                  <a:srgbClr val="FFFFFF"/>
+                </a:solidFill>
+              </a:rPr>
+              <a:t>, </a:t>
+            </a:r>
+            <a:r>
+              <a:rPr lang="ko-KR" altLang="en-US" dirty="0">
+                <a:solidFill>
+                  <a:srgbClr val="FFFFFF"/>
+                </a:solidFill>
+              </a:rPr>
+              <a:t>사용자에게 이를 알려줍니다</a:t>
             </a:r>
             <a:r>
               <a:rPr lang="en-US" altLang="ko-KR" dirty="0">
@@ -4858,6 +4749,8 @@
               </a:rPr>
               <a:t>.</a:t>
             </a:r>
+          </a:p>
+          <a:p>
             <a:endParaRPr lang="ko-KR" altLang="en-US" dirty="0">
               <a:solidFill>
                 <a:srgbClr val="FFFFFF"/>
@@ -4869,7 +4762,7 @@
     </p:spTree>
     <p:extLst>
       <p:ext uri="{BB962C8B-B14F-4D97-AF65-F5344CB8AC3E}">
-        <p14:creationId xmlns:p14="http://schemas.microsoft.com/office/powerpoint/2010/main" val="1581812559"/>
+        <p14:creationId xmlns:p14="http://schemas.microsoft.com/office/powerpoint/2010/main" val="1715162914"/>
       </p:ext>
     </p:extLst>
   </p:cSld>
@@ -4901,7 +4794,7 @@
           <p:cNvPr id="2" name="제목 1">
             <a:extLst>
               <a:ext uri="{FF2B5EF4-FFF2-40B4-BE49-F238E27FC236}">
-                <a16:creationId xmlns:a16="http://schemas.microsoft.com/office/drawing/2014/main" id="{8D1F6179-A0D9-4B5C-9B5C-7A69A843A704}"/>
+                <a16:creationId xmlns:a16="http://schemas.microsoft.com/office/drawing/2014/main" id="{2AF9C316-D345-4FDA-A465-ACB83D956C34}"/>
               </a:ext>
             </a:extLst>
           </p:cNvPr>
@@ -4918,12 +4811,36 @@
           <a:lstStyle/>
           <a:p>
             <a:r>
-              <a:rPr lang="ko-KR" altLang="en-US" dirty="0">
+              <a:rPr lang="en-US" altLang="ko-KR" dirty="0">
                 <a:solidFill>
                   <a:srgbClr val="2FFF00"/>
                 </a:solidFill>
               </a:rPr>
-              <a:t>동적 경로 추천 기능</a:t>
+              <a:t>FREE</a:t>
+            </a:r>
+            <a:r>
+              <a:rPr lang="ko-KR" altLang="en-US" dirty="0">
+                <a:solidFill>
+                  <a:srgbClr val="2FFF00"/>
+                </a:solidFill>
+              </a:rPr>
+              <a:t> </a:t>
+            </a:r>
+            <a:r>
+              <a:rPr lang="en-US" altLang="ko-KR" dirty="0">
+                <a:solidFill>
+                  <a:srgbClr val="2FFF00"/>
+                </a:solidFill>
+              </a:rPr>
+              <a:t>RUN/</a:t>
+            </a:r>
+            <a:r>
+              <a:rPr lang="ko-KR" altLang="en-US" dirty="0">
+                <a:solidFill>
+                  <a:srgbClr val="2FFF00"/>
+                </a:solidFill>
+              </a:rPr>
+              <a:t>달리기 종료 후</a:t>
             </a:r>
           </a:p>
         </p:txBody>
@@ -4933,7 +4850,7 @@
           <p:cNvPr id="3" name="내용 개체 틀 2">
             <a:extLst>
               <a:ext uri="{FF2B5EF4-FFF2-40B4-BE49-F238E27FC236}">
-                <a16:creationId xmlns:a16="http://schemas.microsoft.com/office/drawing/2014/main" id="{B8B8CDFB-819D-4506-B699-BD9FAA72F92B}"/>
+                <a16:creationId xmlns:a16="http://schemas.microsoft.com/office/drawing/2014/main" id="{1ED1EF22-77A7-416E-A10F-28137477BEBA}"/>
               </a:ext>
             </a:extLst>
           </p:cNvPr>
@@ -4955,15 +4872,7 @@
                   <a:srgbClr val="FFFFFF"/>
                 </a:solidFill>
               </a:rPr>
-              <a:t>달리기 중</a:t>
-            </a:r>
-            <a:r>
-              <a:rPr lang="en-US" altLang="ko-KR" dirty="0">
-                <a:solidFill>
-                  <a:srgbClr val="FFFFFF"/>
-                </a:solidFill>
-              </a:rPr>
-              <a:t>, </a:t>
+              <a:t>사용자에게 해당 </a:t>
             </a:r>
             <a:r>
               <a:rPr lang="ko-KR" altLang="en-US" dirty="0">
@@ -4971,15 +4880,15 @@
                   <a:srgbClr val="FF0000"/>
                 </a:solidFill>
               </a:rPr>
-              <a:t>근처에 추천경로가 있는지</a:t>
-            </a:r>
-            <a:r>
-              <a:rPr lang="ko-KR" altLang="en-US" dirty="0">
-                <a:solidFill>
-                  <a:srgbClr val="FFFFFF"/>
-                </a:solidFill>
-              </a:rPr>
-              <a:t> 서버에 질의합니다</a:t>
+              <a:t>조깅 경험에 대한 평가</a:t>
+            </a:r>
+            <a:r>
+              <a:rPr lang="ko-KR" altLang="en-US" dirty="0">
+                <a:solidFill>
+                  <a:srgbClr val="FFFFFF"/>
+                </a:solidFill>
+              </a:rPr>
+              <a:t>를 받습니다</a:t>
             </a:r>
             <a:r>
               <a:rPr lang="en-US" altLang="ko-KR" dirty="0">
@@ -4992,28 +4901,28 @@
           </a:p>
           <a:p>
             <a:r>
-              <a:rPr lang="ko-KR" altLang="en-US" dirty="0" err="1">
-                <a:solidFill>
-                  <a:srgbClr val="FFFFFF"/>
-                </a:solidFill>
-              </a:rPr>
-              <a:t>있을경우</a:t>
-            </a:r>
-            <a:r>
-              <a:rPr lang="en-US" altLang="ko-KR" dirty="0">
-                <a:solidFill>
-                  <a:srgbClr val="FFFFFF"/>
-                </a:solidFill>
-              </a:rPr>
-              <a:t>, </a:t>
-            </a:r>
-            <a:r>
-              <a:rPr lang="ko-KR" altLang="en-US" dirty="0">
-                <a:solidFill>
-                  <a:srgbClr val="FFFFFF"/>
-                </a:solidFill>
-              </a:rPr>
-              <a:t>이를 사용자에게 알려줍니다</a:t>
+              <a:rPr lang="ko-KR" altLang="en-US" dirty="0">
+                <a:solidFill>
+                  <a:srgbClr val="FFFFFF"/>
+                </a:solidFill>
+              </a:rPr>
+              <a:t>달리기 중 서버에서 수집한 경로 정보를 </a:t>
+            </a:r>
+            <a:r>
+              <a:rPr lang="en-US" altLang="ko-KR" dirty="0">
+                <a:solidFill>
+                  <a:srgbClr val="FFFFFF"/>
+                </a:solidFill>
+              </a:rPr>
+              <a:t>1:N </a:t>
+            </a:r>
+            <a:r>
+              <a:rPr lang="ko-KR" altLang="en-US" dirty="0">
+                <a:solidFill>
+                  <a:srgbClr val="FFFFFF"/>
+                </a:solidFill>
+              </a:rPr>
+              <a:t>관계로 저장합니다</a:t>
             </a:r>
             <a:r>
               <a:rPr lang="en-US" altLang="ko-KR" dirty="0">
@@ -5031,16 +4940,25 @@
                   <a:srgbClr val="FFFFFF"/>
                 </a:solidFill>
               </a:rPr>
-              <a:t>사용자는 중간에 이를 이용해 달리는 경로를 변경할 수 있습니다</a:t>
-            </a:r>
-            <a:r>
-              <a:rPr lang="en-US" altLang="ko-KR" dirty="0">
-                <a:solidFill>
-                  <a:srgbClr val="FFFFFF"/>
-                </a:solidFill>
-              </a:rPr>
-              <a:t>. </a:t>
-            </a:r>
+              <a:t>사용자에게 해당 경로에 대한 통계를 전송합니다</a:t>
+            </a:r>
+            <a:r>
+              <a:rPr lang="en-US" altLang="ko-KR" dirty="0">
+                <a:solidFill>
+                  <a:srgbClr val="FFFFFF"/>
+                </a:solidFill>
+              </a:rPr>
+              <a:t>.</a:t>
+            </a:r>
+          </a:p>
+          <a:p>
+            <a:endParaRPr lang="en-US" altLang="ko-KR" dirty="0">
+              <a:solidFill>
+                <a:srgbClr val="FFFFFF"/>
+              </a:solidFill>
+            </a:endParaRPr>
+          </a:p>
+          <a:p>
             <a:endParaRPr lang="ko-KR" altLang="en-US" dirty="0">
               <a:solidFill>
                 <a:srgbClr val="FFFFFF"/>
@@ -5052,7 +4970,7 @@
     </p:spTree>
     <p:extLst>
       <p:ext uri="{BB962C8B-B14F-4D97-AF65-F5344CB8AC3E}">
-        <p14:creationId xmlns:p14="http://schemas.microsoft.com/office/powerpoint/2010/main" val="4285989348"/>
+        <p14:creationId xmlns:p14="http://schemas.microsoft.com/office/powerpoint/2010/main" val="2583277109"/>
       </p:ext>
     </p:extLst>
   </p:cSld>
@@ -5084,7 +5002,7 @@
           <p:cNvPr id="2" name="제목 1">
             <a:extLst>
               <a:ext uri="{FF2B5EF4-FFF2-40B4-BE49-F238E27FC236}">
-                <a16:creationId xmlns:a16="http://schemas.microsoft.com/office/drawing/2014/main" id="{1CCA881F-DE50-42A2-BAA1-E9BB544F871E}"/>
+                <a16:creationId xmlns:a16="http://schemas.microsoft.com/office/drawing/2014/main" id="{2AF9C316-D345-4FDA-A465-ACB83D956C34}"/>
               </a:ext>
             </a:extLst>
           </p:cNvPr>
@@ -5106,127 +5024,77 @@
                   <a:srgbClr val="2FFF00"/>
                 </a:solidFill>
               </a:rPr>
-              <a:t>RECOMMENDED COURCE</a:t>
-            </a:r>
-            <a:endParaRPr lang="ko-KR" altLang="en-US" dirty="0">
-              <a:solidFill>
-                <a:srgbClr val="2FFF00"/>
-              </a:solidFill>
-            </a:endParaRPr>
-          </a:p>
-        </p:txBody>
-      </p:sp>
-      <p:sp>
-        <p:nvSpPr>
-          <p:cNvPr id="3" name="내용 개체 틀 2">
-            <a:extLst>
-              <a:ext uri="{FF2B5EF4-FFF2-40B4-BE49-F238E27FC236}">
-                <a16:creationId xmlns:a16="http://schemas.microsoft.com/office/drawing/2014/main" id="{2A2E319B-E3CC-4BFA-92AF-12FC3A337191}"/>
-              </a:ext>
-            </a:extLst>
-          </p:cNvPr>
-          <p:cNvSpPr>
-            <a:spLocks noGrp="1"/>
-          </p:cNvSpPr>
+              <a:t>FREE</a:t>
+            </a:r>
+            <a:r>
+              <a:rPr lang="ko-KR" altLang="en-US" dirty="0">
+                <a:solidFill>
+                  <a:srgbClr val="2FFF00"/>
+                </a:solidFill>
+              </a:rPr>
+              <a:t> </a:t>
+            </a:r>
+            <a:r>
+              <a:rPr lang="en-US" altLang="ko-KR" dirty="0">
+                <a:solidFill>
+                  <a:srgbClr val="2FFF00"/>
+                </a:solidFill>
+              </a:rPr>
+              <a:t>RUN/</a:t>
+            </a:r>
+            <a:r>
+              <a:rPr lang="ko-KR" altLang="en-US" dirty="0">
+                <a:solidFill>
+                  <a:srgbClr val="2FFF00"/>
+                </a:solidFill>
+              </a:rPr>
+              <a:t>달리기 종료 후</a:t>
+            </a:r>
+          </a:p>
+        </p:txBody>
+      </p:sp>
+      <p:pic>
+        <p:nvPicPr>
+          <p:cNvPr id="4" name="내용 개체 틀 3" descr="스크린샷이(가) 표시된 사진&#10;&#10;자동 생성된 설명">
+            <a:extLst>
+              <a:ext uri="{FF2B5EF4-FFF2-40B4-BE49-F238E27FC236}">
+                <a16:creationId xmlns:a16="http://schemas.microsoft.com/office/drawing/2014/main" id="{4D9DA860-85F0-447F-A898-D0B310420FD4}"/>
+              </a:ext>
+            </a:extLst>
+          </p:cNvPr>
+          <p:cNvPicPr>
+            <a:picLocks noGrp="1"/>
+          </p:cNvPicPr>
           <p:nvPr>
             <p:ph idx="1"/>
           </p:nvPr>
-        </p:nvSpPr>
-        <p:spPr/>
-        <p:txBody>
-          <a:bodyPr/>
-          <a:lstStyle/>
-          <a:p>
-            <a:r>
-              <a:rPr lang="ko-KR" altLang="en-US" dirty="0">
-                <a:solidFill>
-                  <a:srgbClr val="FF0000"/>
-                </a:solidFill>
-              </a:rPr>
-              <a:t>근처의 조깅코스를 추천</a:t>
-            </a:r>
-            <a:r>
-              <a:rPr lang="ko-KR" altLang="en-US" dirty="0">
-                <a:solidFill>
-                  <a:srgbClr val="FFFFFF"/>
-                </a:solidFill>
-              </a:rPr>
-              <a:t>합니다</a:t>
-            </a:r>
-            <a:r>
-              <a:rPr lang="en-US" altLang="ko-KR" dirty="0">
-                <a:solidFill>
-                  <a:srgbClr val="FFFFFF"/>
-                </a:solidFill>
-              </a:rPr>
-              <a:t>.</a:t>
-            </a:r>
-          </a:p>
-          <a:p>
-            <a:r>
-              <a:rPr lang="ko-KR" altLang="en-US" dirty="0">
-                <a:solidFill>
-                  <a:srgbClr val="FFFFFF"/>
-                </a:solidFill>
-              </a:rPr>
-              <a:t>비슷한 기록의 사용자를 러닝메이트로 하여 달리는 중에 사용자에게 얼마나 앞서거나 뒤쳐지고 있는지를 알려줍니다</a:t>
-            </a:r>
-            <a:r>
-              <a:rPr lang="en-US" altLang="ko-KR" dirty="0">
-                <a:solidFill>
-                  <a:srgbClr val="FFFFFF"/>
-                </a:solidFill>
-              </a:rPr>
-              <a:t>.</a:t>
-            </a:r>
-          </a:p>
-          <a:p>
-            <a:r>
-              <a:rPr lang="ko-KR" altLang="en-US" dirty="0">
-                <a:solidFill>
-                  <a:srgbClr val="FFFFFF"/>
-                </a:solidFill>
-              </a:rPr>
-              <a:t>경쟁모드를 활성화 한 경우</a:t>
-            </a:r>
-            <a:r>
-              <a:rPr lang="en-US" altLang="ko-KR" dirty="0">
-                <a:solidFill>
-                  <a:srgbClr val="FFFFFF"/>
-                </a:solidFill>
-              </a:rPr>
-              <a:t>, </a:t>
-            </a:r>
-            <a:r>
-              <a:rPr lang="ko-KR" altLang="en-US" dirty="0">
-                <a:solidFill>
-                  <a:srgbClr val="FFFFFF"/>
-                </a:solidFill>
-              </a:rPr>
-              <a:t>해당 코스로 달린 사용자들을 묶어 기록 경쟁을 합니다</a:t>
-            </a:r>
-            <a:r>
-              <a:rPr lang="en-US" altLang="ko-KR" dirty="0">
-                <a:solidFill>
-                  <a:srgbClr val="FFFFFF"/>
-                </a:solidFill>
-              </a:rPr>
-              <a:t>.</a:t>
-            </a:r>
-          </a:p>
-          <a:p>
-            <a:endParaRPr lang="ko-KR" altLang="en-US" dirty="0">
-              <a:solidFill>
-                <a:srgbClr val="FFFFFF"/>
-              </a:solidFill>
-            </a:endParaRPr>
-          </a:p>
-        </p:txBody>
-      </p:sp>
+        </p:nvPicPr>
+        <p:blipFill>
+          <a:blip r:embed="rId2">
+            <a:extLst>
+              <a:ext uri="{28A0092B-C50C-407E-A947-70E740481C1C}">
+                <a14:useLocalDpi xmlns:a14="http://schemas.microsoft.com/office/drawing/2010/main" val="0"/>
+              </a:ext>
+            </a:extLst>
+          </a:blip>
+          <a:stretch>
+            <a:fillRect/>
+          </a:stretch>
+        </p:blipFill>
+        <p:spPr>
+          <a:xfrm>
+            <a:off x="2228144" y="1825625"/>
+            <a:ext cx="7735712" cy="4351338"/>
+          </a:xfrm>
+          <a:prstGeom prst="rect">
+            <a:avLst/>
+          </a:prstGeom>
+        </p:spPr>
+      </p:pic>
     </p:spTree>
     <p:extLst>
       <p:ext uri="{BB962C8B-B14F-4D97-AF65-F5344CB8AC3E}">
-        <p14:creationId xmlns:p14="http://schemas.microsoft.com/office/powerpoint/2010/main" val="2177894752"/>
+        <p14:creationId xmlns:p14="http://schemas.microsoft.com/office/powerpoint/2010/main" val="882517449"/>
       </p:ext>
     </p:extLst>
   </p:cSld>
@@ -5258,7 +5126,7 @@
           <p:cNvPr id="2" name="제목 1">
             <a:extLst>
               <a:ext uri="{FF2B5EF4-FFF2-40B4-BE49-F238E27FC236}">
-                <a16:creationId xmlns:a16="http://schemas.microsoft.com/office/drawing/2014/main" id="{AB856507-BBD1-40CE-9C74-85E737F27F84}"/>
+                <a16:creationId xmlns:a16="http://schemas.microsoft.com/office/drawing/2014/main" id="{2AF9C316-D345-4FDA-A465-ACB83D956C34}"/>
               </a:ext>
             </a:extLst>
           </p:cNvPr>
@@ -5280,8 +5148,37 @@
                   <a:srgbClr val="2FFF00"/>
                 </a:solidFill>
               </a:rPr>
-              <a:t>조깅 코스 추천</a:t>
-            </a:r>
+              <a:t>달리기 종료 후</a:t>
+            </a:r>
+            <a:r>
+              <a:rPr lang="en-US" altLang="ko-KR" dirty="0">
+                <a:solidFill>
+                  <a:srgbClr val="2FFF00"/>
+                </a:solidFill>
+              </a:rPr>
+              <a:t>(</a:t>
+            </a:r>
+            <a:r>
+              <a:rPr lang="ko-KR" altLang="en-US" dirty="0">
+                <a:solidFill>
+                  <a:srgbClr val="2FFF00"/>
+                </a:solidFill>
+              </a:rPr>
+              <a:t>비동기 처리</a:t>
+            </a:r>
+            <a:r>
+              <a:rPr lang="en-US" altLang="ko-KR" dirty="0">
+                <a:solidFill>
+                  <a:srgbClr val="2FFF00"/>
+                </a:solidFill>
+              </a:rPr>
+              <a:t>)</a:t>
+            </a:r>
+            <a:endParaRPr lang="ko-KR" altLang="en-US" dirty="0">
+              <a:solidFill>
+                <a:srgbClr val="2FFF00"/>
+              </a:solidFill>
+            </a:endParaRPr>
           </a:p>
         </p:txBody>
       </p:sp>
@@ -5290,7 +5187,7 @@
           <p:cNvPr id="3" name="내용 개체 틀 2">
             <a:extLst>
               <a:ext uri="{FF2B5EF4-FFF2-40B4-BE49-F238E27FC236}">
-                <a16:creationId xmlns:a16="http://schemas.microsoft.com/office/drawing/2014/main" id="{B34B19B6-2E68-46A1-8D1E-28EDFC0E710F}"/>
+                <a16:creationId xmlns:a16="http://schemas.microsoft.com/office/drawing/2014/main" id="{1ED1EF22-77A7-416E-A10F-28137477BEBA}"/>
               </a:ext>
             </a:extLst>
           </p:cNvPr>
@@ -5312,7 +5209,7 @@
                   <a:srgbClr val="FFFFFF"/>
                 </a:solidFill>
               </a:rPr>
-              <a:t>조깅을 하기 </a:t>
+              <a:t>해당 경로들 가운데에서 </a:t>
             </a:r>
             <a:r>
               <a:rPr lang="ko-KR" altLang="en-US" dirty="0">
@@ -5320,15 +5217,15 @@
                   <a:srgbClr val="FF0000"/>
                 </a:solidFill>
               </a:rPr>
-              <a:t>이전에 경로를 추천</a:t>
-            </a:r>
-            <a:r>
-              <a:rPr lang="ko-KR" altLang="en-US" dirty="0">
-                <a:solidFill>
-                  <a:srgbClr val="FFFFFF"/>
-                </a:solidFill>
-              </a:rPr>
-              <a:t>합니다</a:t>
+              <a:t>공통 경로가 존재하는 추천경로</a:t>
+            </a:r>
+            <a:r>
+              <a:rPr lang="ko-KR" altLang="en-US" dirty="0">
+                <a:solidFill>
+                  <a:srgbClr val="FFFFFF"/>
+                </a:solidFill>
+              </a:rPr>
+              <a:t>를 찾습니다</a:t>
             </a:r>
             <a:r>
               <a:rPr lang="en-US" altLang="ko-KR" dirty="0">
@@ -5346,23 +5243,7 @@
                   <a:srgbClr val="FFFFFF"/>
                 </a:solidFill>
               </a:rPr>
-              <a:t>추천은 </a:t>
-            </a:r>
-            <a:r>
-              <a:rPr lang="ko-KR" altLang="en-US" dirty="0">
-                <a:solidFill>
-                  <a:srgbClr val="FF0000"/>
-                </a:solidFill>
-              </a:rPr>
-              <a:t>단순 거리를 기준</a:t>
-            </a:r>
-            <a:r>
-              <a:rPr lang="ko-KR" altLang="en-US" dirty="0">
-                <a:solidFill>
-                  <a:srgbClr val="FFFFFF"/>
-                </a:solidFill>
-              </a:rPr>
-              <a:t>으로 한 추천</a:t>
+              <a:t>공통 경로가 존재하는 경우</a:t>
             </a:r>
             <a:r>
               <a:rPr lang="en-US" altLang="ko-KR" dirty="0">
@@ -5378,47 +5259,39 @@
                   <a:srgbClr val="FFFFFF"/>
                 </a:solidFill>
               </a:rPr>
-              <a:t>인공지능을 이용해 </a:t>
-            </a:r>
-            <a:r>
-              <a:rPr lang="ko-KR" altLang="en-US" dirty="0">
-                <a:solidFill>
-                  <a:srgbClr val="FF0000"/>
-                </a:solidFill>
-              </a:rPr>
-              <a:t>비슷한 분류의 사용자들에게 얼마나 높은 점수를 얻었는지 연산</a:t>
-            </a:r>
-            <a:r>
-              <a:rPr lang="ko-KR" altLang="en-US" dirty="0">
-                <a:solidFill>
-                  <a:srgbClr val="FFFFFF"/>
-                </a:solidFill>
-              </a:rPr>
-              <a:t>을 통한 추천</a:t>
-            </a:r>
-            <a:r>
-              <a:rPr lang="en-US" altLang="ko-KR" dirty="0">
-                <a:solidFill>
-                  <a:srgbClr val="FFFFFF"/>
-                </a:solidFill>
-              </a:rPr>
-              <a:t>, </a:t>
-            </a:r>
-            <a:r>
-              <a:rPr lang="ko-KR" altLang="en-US" dirty="0">
-                <a:solidFill>
-                  <a:srgbClr val="FF0000"/>
-                </a:solidFill>
-              </a:rPr>
-              <a:t>소요 시간을 이용한 추천</a:t>
-            </a:r>
-            <a:r>
-              <a:rPr lang="ko-KR" altLang="en-US" dirty="0">
-                <a:solidFill>
-                  <a:srgbClr val="FFFFFF"/>
-                </a:solidFill>
-              </a:rPr>
-              <a:t> 등의 방법을 사용자가 선택하도록 합니다</a:t>
+              <a:t>사용자 연령과 체중 등 신체적 정보를 </a:t>
+            </a:r>
+            <a:r>
+              <a:rPr lang="ko-KR" altLang="en-US" dirty="0" err="1">
+                <a:solidFill>
+                  <a:srgbClr val="FFFFFF"/>
+                </a:solidFill>
+              </a:rPr>
+              <a:t>익명화하여</a:t>
+            </a:r>
+            <a:r>
+              <a:rPr lang="ko-KR" altLang="en-US" dirty="0">
+                <a:solidFill>
+                  <a:srgbClr val="FFFFFF"/>
+                </a:solidFill>
+              </a:rPr>
+              <a:t> 추천경로에 </a:t>
+            </a:r>
+            <a:r>
+              <a:rPr lang="en-US" altLang="ko-KR" dirty="0">
+                <a:solidFill>
+                  <a:srgbClr val="FFFFFF"/>
+                </a:solidFill>
+              </a:rPr>
+              <a:t>1:N </a:t>
+            </a:r>
+            <a:r>
+              <a:rPr lang="ko-KR" altLang="en-US" dirty="0">
+                <a:solidFill>
+                  <a:srgbClr val="FFFFFF"/>
+                </a:solidFill>
+              </a:rPr>
+              <a:t>관계로 생성합니다</a:t>
             </a:r>
             <a:r>
               <a:rPr lang="en-US" altLang="ko-KR" dirty="0">
@@ -5436,55 +5309,7 @@
                   <a:srgbClr val="FFFFFF"/>
                 </a:solidFill>
               </a:rPr>
-              <a:t>이 화면에서</a:t>
-            </a:r>
-            <a:r>
-              <a:rPr lang="en-US" altLang="ko-KR" dirty="0">
-                <a:solidFill>
-                  <a:srgbClr val="FFFFFF"/>
-                </a:solidFill>
-              </a:rPr>
-              <a:t>, </a:t>
-            </a:r>
-            <a:r>
-              <a:rPr lang="ko-KR" altLang="en-US" dirty="0">
-                <a:solidFill>
-                  <a:srgbClr val="FFFFFF"/>
-                </a:solidFill>
-              </a:rPr>
-              <a:t>비슷한 조건의 사람의 경우 시간이 얼마나 걸렸는지</a:t>
-            </a:r>
-            <a:r>
-              <a:rPr lang="en-US" altLang="ko-KR" dirty="0">
-                <a:solidFill>
-                  <a:srgbClr val="FFFFFF"/>
-                </a:solidFill>
-              </a:rPr>
-              <a:t>, </a:t>
-            </a:r>
-            <a:r>
-              <a:rPr lang="ko-KR" altLang="en-US" dirty="0">
-                <a:solidFill>
-                  <a:srgbClr val="FFFFFF"/>
-                </a:solidFill>
-              </a:rPr>
-              <a:t>최고기록이 누가 세웠고 얼마나 걸렸는지</a:t>
-            </a:r>
-            <a:r>
-              <a:rPr lang="en-US" altLang="ko-KR" dirty="0">
-                <a:solidFill>
-                  <a:srgbClr val="FFFFFF"/>
-                </a:solidFill>
-              </a:rPr>
-              <a:t>, </a:t>
-            </a:r>
-            <a:r>
-              <a:rPr lang="ko-KR" altLang="en-US" dirty="0">
-                <a:solidFill>
-                  <a:srgbClr val="FFFFFF"/>
-                </a:solidFill>
-              </a:rPr>
-              <a:t>해당 경로를 이용하는 사람이 얼마나 많은지를 알려줍니다</a:t>
+              <a:t>이 데이터는 이후 다른 사용자에게 조깅 경로를 추천하는데 이용됩니다</a:t>
             </a:r>
             <a:r>
               <a:rPr lang="en-US" altLang="ko-KR" dirty="0">
@@ -5494,27 +5319,18 @@
               </a:rPr>
               <a:t>.</a:t>
             </a:r>
-          </a:p>
-          <a:p>
-            <a:endParaRPr lang="en-US" altLang="ko-KR" dirty="0">
+            <a:endParaRPr lang="ko-KR" altLang="en-US" dirty="0">
               <a:solidFill>
                 <a:srgbClr val="FFFFFF"/>
               </a:solidFill>
             </a:endParaRPr>
           </a:p>
-          <a:p>
-            <a:endParaRPr lang="en-US" altLang="ko-KR" dirty="0">
-              <a:solidFill>
-                <a:srgbClr val="FFFFFF"/>
-              </a:solidFill>
-            </a:endParaRPr>
-          </a:p>
         </p:txBody>
       </p:sp>
     </p:spTree>
     <p:extLst>
       <p:ext uri="{BB962C8B-B14F-4D97-AF65-F5344CB8AC3E}">
-        <p14:creationId xmlns:p14="http://schemas.microsoft.com/office/powerpoint/2010/main" val="1647495977"/>
+        <p14:creationId xmlns:p14="http://schemas.microsoft.com/office/powerpoint/2010/main" val="1581812559"/>
       </p:ext>
     </p:extLst>
   </p:cSld>
@@ -5546,7 +5362,7 @@
           <p:cNvPr id="2" name="제목 1">
             <a:extLst>
               <a:ext uri="{FF2B5EF4-FFF2-40B4-BE49-F238E27FC236}">
-                <a16:creationId xmlns:a16="http://schemas.microsoft.com/office/drawing/2014/main" id="{9ECA04CD-6703-4A72-9959-F3E691B5845F}"/>
+                <a16:creationId xmlns:a16="http://schemas.microsoft.com/office/drawing/2014/main" id="{8D1F6179-A0D9-4B5C-9B5C-7A69A843A704}"/>
               </a:ext>
             </a:extLst>
           </p:cNvPr>
@@ -5568,68 +5384,47 @@
                   <a:srgbClr val="2FFF00"/>
                 </a:solidFill>
               </a:rPr>
+              <a:t>동적 경로 추천 기능</a:t>
+            </a:r>
+          </a:p>
+        </p:txBody>
+      </p:sp>
+      <p:sp>
+        <p:nvSpPr>
+          <p:cNvPr id="3" name="내용 개체 틀 2">
+            <a:extLst>
+              <a:ext uri="{FF2B5EF4-FFF2-40B4-BE49-F238E27FC236}">
+                <a16:creationId xmlns:a16="http://schemas.microsoft.com/office/drawing/2014/main" id="{B8B8CDFB-819D-4506-B699-BD9FAA72F92B}"/>
+              </a:ext>
+            </a:extLst>
+          </p:cNvPr>
+          <p:cNvSpPr>
+            <a:spLocks noGrp="1"/>
+          </p:cNvSpPr>
+          <p:nvPr>
+            <p:ph idx="1"/>
+          </p:nvPr>
+        </p:nvSpPr>
+        <p:spPr/>
+        <p:txBody>
+          <a:bodyPr/>
+          <a:lstStyle/>
+          <a:p>
+            <a:r>
+              <a:rPr lang="ko-KR" altLang="en-US" dirty="0">
+                <a:solidFill>
+                  <a:srgbClr val="FFFFFF"/>
+                </a:solidFill>
+              </a:rPr>
               <a:t>달리기 중</a:t>
             </a:r>
             <a:r>
               <a:rPr lang="en-US" altLang="ko-KR" dirty="0">
                 <a:solidFill>
-                  <a:srgbClr val="2FFF00"/>
-                </a:solidFill>
-              </a:rPr>
-              <a:t>(</a:t>
-            </a:r>
-            <a:r>
-              <a:rPr lang="ko-KR" altLang="en-US" dirty="0">
-                <a:solidFill>
-                  <a:srgbClr val="2FFF00"/>
-                </a:solidFill>
-              </a:rPr>
-              <a:t>러닝메이트</a:t>
-            </a:r>
-            <a:r>
-              <a:rPr lang="en-US" altLang="ko-KR" dirty="0">
-                <a:solidFill>
-                  <a:srgbClr val="2FFF00"/>
-                </a:solidFill>
-              </a:rPr>
-              <a:t>)</a:t>
-            </a:r>
-            <a:endParaRPr lang="ko-KR" altLang="en-US" dirty="0">
-              <a:solidFill>
-                <a:srgbClr val="2FFF00"/>
-              </a:solidFill>
-            </a:endParaRPr>
-          </a:p>
-        </p:txBody>
-      </p:sp>
-      <p:sp>
-        <p:nvSpPr>
-          <p:cNvPr id="3" name="내용 개체 틀 2">
-            <a:extLst>
-              <a:ext uri="{FF2B5EF4-FFF2-40B4-BE49-F238E27FC236}">
-                <a16:creationId xmlns:a16="http://schemas.microsoft.com/office/drawing/2014/main" id="{131EAD1D-C057-41BB-A28A-84B3489652AA}"/>
-              </a:ext>
-            </a:extLst>
-          </p:cNvPr>
-          <p:cNvSpPr>
-            <a:spLocks noGrp="1"/>
-          </p:cNvSpPr>
-          <p:nvPr>
-            <p:ph idx="1"/>
-          </p:nvPr>
-        </p:nvSpPr>
-        <p:spPr/>
-        <p:txBody>
-          <a:bodyPr/>
-          <a:lstStyle/>
-          <a:p>
-            <a:r>
-              <a:rPr lang="ko-KR" altLang="en-US" dirty="0">
-                <a:solidFill>
-                  <a:srgbClr val="FFFFFF"/>
-                </a:solidFill>
-              </a:rPr>
-              <a:t>달리는 중 해당 추천경로를 이용한 사용자 기록 가운데 자신과 </a:t>
+                  <a:srgbClr val="FFFFFF"/>
+                </a:solidFill>
+              </a:rPr>
+              <a:t>, </a:t>
             </a:r>
             <a:r>
               <a:rPr lang="ko-KR" altLang="en-US" dirty="0">
@@ -5637,15 +5432,15 @@
                   <a:srgbClr val="FF0000"/>
                 </a:solidFill>
               </a:rPr>
-              <a:t>가장 가까운 이용자의 기록</a:t>
-            </a:r>
-            <a:r>
-              <a:rPr lang="ko-KR" altLang="en-US" dirty="0">
-                <a:solidFill>
-                  <a:srgbClr val="FFFFFF"/>
-                </a:solidFill>
-              </a:rPr>
-              <a:t>을 가져옵니다</a:t>
+              <a:t>근처에 추천경로가 있는지</a:t>
+            </a:r>
+            <a:r>
+              <a:rPr lang="ko-KR" altLang="en-US" dirty="0">
+                <a:solidFill>
+                  <a:srgbClr val="FFFFFF"/>
+                </a:solidFill>
+              </a:rPr>
+              <a:t> 서버에 질의합니다</a:t>
             </a:r>
             <a:r>
               <a:rPr lang="en-US" altLang="ko-KR" dirty="0">
@@ -5658,12 +5453,28 @@
           </a:p>
           <a:p>
             <a:r>
-              <a:rPr lang="ko-KR" altLang="en-US" dirty="0">
-                <a:solidFill>
-                  <a:srgbClr val="FFFFFF"/>
-                </a:solidFill>
-              </a:rPr>
-              <a:t>해당 사용자의 경과 시간당 위치를 일정한 주기로 사용자에게 알려줍니다</a:t>
+              <a:rPr lang="ko-KR" altLang="en-US" dirty="0" err="1">
+                <a:solidFill>
+                  <a:srgbClr val="FFFFFF"/>
+                </a:solidFill>
+              </a:rPr>
+              <a:t>있을경우</a:t>
+            </a:r>
+            <a:r>
+              <a:rPr lang="en-US" altLang="ko-KR" dirty="0">
+                <a:solidFill>
+                  <a:srgbClr val="FFFFFF"/>
+                </a:solidFill>
+              </a:rPr>
+              <a:t>, </a:t>
+            </a:r>
+            <a:r>
+              <a:rPr lang="ko-KR" altLang="en-US" dirty="0">
+                <a:solidFill>
+                  <a:srgbClr val="FFFFFF"/>
+                </a:solidFill>
+              </a:rPr>
+              <a:t>이를 사용자에게 알려줍니다</a:t>
             </a:r>
             <a:r>
               <a:rPr lang="en-US" altLang="ko-KR" dirty="0">
@@ -5672,6 +5483,24 @@
                 </a:solidFill>
               </a:rPr>
               <a:t>.</a:t>
+            </a:r>
+          </a:p>
+          <a:p>
+            <a:r>
+              <a:rPr lang="ko-KR" altLang="en-US" dirty="0">
+                <a:solidFill>
+                  <a:srgbClr val="FFFFFF"/>
+                </a:solidFill>
+              </a:rPr>
+              <a:t>사용자는 중간에 이를 이용해 달리는 경로를 변경할 수 있습니다</a:t>
+            </a:r>
+            <a:r>
+              <a:rPr lang="en-US" altLang="ko-KR" dirty="0">
+                <a:solidFill>
+                  <a:srgbClr val="FFFFFF"/>
+                </a:solidFill>
+              </a:rPr>
+              <a:t>. </a:t>
             </a:r>
             <a:endParaRPr lang="ko-KR" altLang="en-US" dirty="0">
               <a:solidFill>
@@ -5684,7 +5513,7 @@
     </p:spTree>
     <p:extLst>
       <p:ext uri="{BB962C8B-B14F-4D97-AF65-F5344CB8AC3E}">
-        <p14:creationId xmlns:p14="http://schemas.microsoft.com/office/powerpoint/2010/main" val="3421607069"/>
+        <p14:creationId xmlns:p14="http://schemas.microsoft.com/office/powerpoint/2010/main" val="4285989348"/>
       </p:ext>
     </p:extLst>
   </p:cSld>
@@ -5716,7 +5545,7 @@
           <p:cNvPr id="2" name="제목 1">
             <a:extLst>
               <a:ext uri="{FF2B5EF4-FFF2-40B4-BE49-F238E27FC236}">
-                <a16:creationId xmlns:a16="http://schemas.microsoft.com/office/drawing/2014/main" id="{2AF9C316-D345-4FDA-A465-ACB83D956C34}"/>
+                <a16:creationId xmlns:a16="http://schemas.microsoft.com/office/drawing/2014/main" id="{1CCA881F-DE50-42A2-BAA1-E9BB544F871E}"/>
               </a:ext>
             </a:extLst>
           </p:cNvPr>
@@ -5738,15 +5567,181 @@
                   <a:srgbClr val="2FFF00"/>
                 </a:solidFill>
               </a:rPr>
-              <a:t>RECOMMENDED RUN/</a:t>
-            </a:r>
+              <a:t>RECOMMENDED COURCE</a:t>
+            </a:r>
+            <a:endParaRPr lang="ko-KR" altLang="en-US" dirty="0">
+              <a:solidFill>
+                <a:srgbClr val="2FFF00"/>
+              </a:solidFill>
+            </a:endParaRPr>
+          </a:p>
+        </p:txBody>
+      </p:sp>
+      <p:sp>
+        <p:nvSpPr>
+          <p:cNvPr id="3" name="내용 개체 틀 2">
+            <a:extLst>
+              <a:ext uri="{FF2B5EF4-FFF2-40B4-BE49-F238E27FC236}">
+                <a16:creationId xmlns:a16="http://schemas.microsoft.com/office/drawing/2014/main" id="{2A2E319B-E3CC-4BFA-92AF-12FC3A337191}"/>
+              </a:ext>
+            </a:extLst>
+          </p:cNvPr>
+          <p:cNvSpPr>
+            <a:spLocks noGrp="1"/>
+          </p:cNvSpPr>
+          <p:nvPr>
+            <p:ph idx="1"/>
+          </p:nvPr>
+        </p:nvSpPr>
+        <p:spPr/>
+        <p:txBody>
+          <a:bodyPr/>
+          <a:lstStyle/>
+          <a:p>
+            <a:r>
+              <a:rPr lang="ko-KR" altLang="en-US" dirty="0">
+                <a:solidFill>
+                  <a:srgbClr val="FF0000"/>
+                </a:solidFill>
+              </a:rPr>
+              <a:t>근처의 조깅코스를 추천</a:t>
+            </a:r>
+            <a:r>
+              <a:rPr lang="ko-KR" altLang="en-US" dirty="0">
+                <a:solidFill>
+                  <a:srgbClr val="FFFFFF"/>
+                </a:solidFill>
+              </a:rPr>
+              <a:t>합니다</a:t>
+            </a:r>
+            <a:r>
+              <a:rPr lang="en-US" altLang="ko-KR" dirty="0">
+                <a:solidFill>
+                  <a:srgbClr val="FFFFFF"/>
+                </a:solidFill>
+              </a:rPr>
+              <a:t>.</a:t>
+            </a:r>
+          </a:p>
+          <a:p>
+            <a:r>
+              <a:rPr lang="ko-KR" altLang="en-US" dirty="0">
+                <a:solidFill>
+                  <a:srgbClr val="FFFFFF"/>
+                </a:solidFill>
+              </a:rPr>
+              <a:t>비슷한 기록의 사용자를 러닝메이트로 하여 달리는 중에 사용자에게 얼마나 앞서거나 뒤쳐지고 있는지를 알려줍니다</a:t>
+            </a:r>
+            <a:r>
+              <a:rPr lang="en-US" altLang="ko-KR" dirty="0">
+                <a:solidFill>
+                  <a:srgbClr val="FFFFFF"/>
+                </a:solidFill>
+              </a:rPr>
+              <a:t>.</a:t>
+            </a:r>
+          </a:p>
+          <a:p>
+            <a:r>
+              <a:rPr lang="ko-KR" altLang="en-US" dirty="0">
+                <a:solidFill>
+                  <a:srgbClr val="FFFFFF"/>
+                </a:solidFill>
+              </a:rPr>
+              <a:t>경쟁모드를 활성화 한 경우</a:t>
+            </a:r>
+            <a:r>
+              <a:rPr lang="en-US" altLang="ko-KR" dirty="0">
+                <a:solidFill>
+                  <a:srgbClr val="FFFFFF"/>
+                </a:solidFill>
+              </a:rPr>
+              <a:t>, </a:t>
+            </a:r>
+            <a:r>
+              <a:rPr lang="ko-KR" altLang="en-US" dirty="0">
+                <a:solidFill>
+                  <a:srgbClr val="FFFFFF"/>
+                </a:solidFill>
+              </a:rPr>
+              <a:t>해당 코스로 달린 사용자들을 묶어 기록 경쟁을 합니다</a:t>
+            </a:r>
+            <a:r>
+              <a:rPr lang="en-US" altLang="ko-KR" dirty="0">
+                <a:solidFill>
+                  <a:srgbClr val="FFFFFF"/>
+                </a:solidFill>
+              </a:rPr>
+              <a:t>.</a:t>
+            </a:r>
+          </a:p>
+          <a:p>
+            <a:endParaRPr lang="ko-KR" altLang="en-US" dirty="0">
+              <a:solidFill>
+                <a:srgbClr val="FFFFFF"/>
+              </a:solidFill>
+            </a:endParaRPr>
+          </a:p>
+        </p:txBody>
+      </p:sp>
+    </p:spTree>
+    <p:extLst>
+      <p:ext uri="{BB962C8B-B14F-4D97-AF65-F5344CB8AC3E}">
+        <p14:creationId xmlns:p14="http://schemas.microsoft.com/office/powerpoint/2010/main" val="2177894752"/>
+      </p:ext>
+    </p:extLst>
+  </p:cSld>
+  <p:clrMapOvr>
+    <a:masterClrMapping/>
+  </p:clrMapOvr>
+</p:sld>
+</file>
+
+<file path=ppt/slides/slide19.xml><?xml version="1.0" encoding="utf-8"?>
+<p:sld xmlns:a="http://schemas.openxmlformats.org/drawingml/2006/main" xmlns:r="http://schemas.openxmlformats.org/officeDocument/2006/relationships" xmlns:p="http://schemas.openxmlformats.org/presentationml/2006/main">
+  <p:cSld>
+    <p:spTree>
+      <p:nvGrpSpPr>
+        <p:cNvPr id="1" name=""/>
+        <p:cNvGrpSpPr/>
+        <p:nvPr/>
+      </p:nvGrpSpPr>
+      <p:grpSpPr>
+        <a:xfrm>
+          <a:off x="0" y="0"/>
+          <a:ext cx="0" cy="0"/>
+          <a:chOff x="0" y="0"/>
+          <a:chExt cx="0" cy="0"/>
+        </a:xfrm>
+      </p:grpSpPr>
+      <p:sp>
+        <p:nvSpPr>
+          <p:cNvPr id="2" name="제목 1">
+            <a:extLst>
+              <a:ext uri="{FF2B5EF4-FFF2-40B4-BE49-F238E27FC236}">
+                <a16:creationId xmlns:a16="http://schemas.microsoft.com/office/drawing/2014/main" id="{AB856507-BBD1-40CE-9C74-85E737F27F84}"/>
+              </a:ext>
+            </a:extLst>
+          </p:cNvPr>
+          <p:cNvSpPr>
+            <a:spLocks noGrp="1"/>
+          </p:cNvSpPr>
+          <p:nvPr>
+            <p:ph type="title"/>
+          </p:nvPr>
+        </p:nvSpPr>
+        <p:spPr/>
+        <p:txBody>
+          <a:bodyPr/>
+          <a:lstStyle/>
+          <a:p>
             <a:r>
               <a:rPr lang="ko-KR" altLang="en-US" dirty="0">
                 <a:solidFill>
                   <a:srgbClr val="2FFF00"/>
                 </a:solidFill>
               </a:rPr>
-              <a:t>달리기 종료 후</a:t>
+              <a:t>조깅 코스 추천</a:t>
             </a:r>
           </a:p>
         </p:txBody>
@@ -5756,7 +5751,7 @@
           <p:cNvPr id="3" name="내용 개체 틀 2">
             <a:extLst>
               <a:ext uri="{FF2B5EF4-FFF2-40B4-BE49-F238E27FC236}">
-                <a16:creationId xmlns:a16="http://schemas.microsoft.com/office/drawing/2014/main" id="{1ED1EF22-77A7-416E-A10F-28137477BEBA}"/>
+                <a16:creationId xmlns:a16="http://schemas.microsoft.com/office/drawing/2014/main" id="{B34B19B6-2E68-46A1-8D1E-28EDFC0E710F}"/>
               </a:ext>
             </a:extLst>
           </p:cNvPr>
@@ -5778,7 +5773,7 @@
                   <a:srgbClr val="FFFFFF"/>
                 </a:solidFill>
               </a:rPr>
-              <a:t>사용자에게 해당 조깅 경험에 대한 </a:t>
+              <a:t>조깅을 하기 </a:t>
             </a:r>
             <a:r>
               <a:rPr lang="ko-KR" altLang="en-US" dirty="0">
@@ -5786,14 +5781,112 @@
                   <a:srgbClr val="FF0000"/>
                 </a:solidFill>
               </a:rPr>
-              <a:t>평가를 받습니다</a:t>
-            </a:r>
-            <a:r>
-              <a:rPr lang="en-US" altLang="ko-KR" dirty="0">
+              <a:t>이전에 경로를 추천</a:t>
+            </a:r>
+            <a:r>
+              <a:rPr lang="ko-KR" altLang="en-US" dirty="0">
+                <a:solidFill>
+                  <a:srgbClr val="FFFFFF"/>
+                </a:solidFill>
+              </a:rPr>
+              <a:t>합니다</a:t>
+            </a:r>
+            <a:r>
+              <a:rPr lang="en-US" altLang="ko-KR" dirty="0">
+                <a:solidFill>
+                  <a:srgbClr val="FFFFFF"/>
+                </a:solidFill>
+              </a:rPr>
+              <a:t>.</a:t>
+            </a:r>
+          </a:p>
+          <a:p>
+            <a:r>
+              <a:rPr lang="ko-KR" altLang="en-US" dirty="0">
+                <a:solidFill>
+                  <a:srgbClr val="FFFFFF"/>
+                </a:solidFill>
+              </a:rPr>
+              <a:t>추천은 </a:t>
+            </a:r>
+            <a:r>
+              <a:rPr lang="ko-KR" altLang="en-US" dirty="0">
                 <a:solidFill>
                   <a:srgbClr val="FF0000"/>
                 </a:solidFill>
               </a:rPr>
+              <a:t>단순 거리를 기준</a:t>
+            </a:r>
+            <a:r>
+              <a:rPr lang="ko-KR" altLang="en-US" dirty="0">
+                <a:solidFill>
+                  <a:srgbClr val="FFFFFF"/>
+                </a:solidFill>
+              </a:rPr>
+              <a:t>으로 한 추천</a:t>
+            </a:r>
+            <a:r>
+              <a:rPr lang="en-US" altLang="ko-KR" dirty="0">
+                <a:solidFill>
+                  <a:srgbClr val="FFFFFF"/>
+                </a:solidFill>
+              </a:rPr>
+              <a:t>, </a:t>
+            </a:r>
+            <a:r>
+              <a:rPr lang="ko-KR" altLang="en-US" dirty="0">
+                <a:solidFill>
+                  <a:srgbClr val="FFFFFF"/>
+                </a:solidFill>
+              </a:rPr>
+              <a:t>인공지능을 이용해 </a:t>
+            </a:r>
+            <a:r>
+              <a:rPr lang="ko-KR" altLang="en-US" dirty="0">
+                <a:solidFill>
+                  <a:srgbClr val="FF0000"/>
+                </a:solidFill>
+              </a:rPr>
+              <a:t>비슷한 분류의 사용자들에게 얼마나 높은 점수를 얻었는지 연산</a:t>
+            </a:r>
+            <a:r>
+              <a:rPr lang="ko-KR" altLang="en-US" dirty="0">
+                <a:solidFill>
+                  <a:srgbClr val="FFFFFF"/>
+                </a:solidFill>
+              </a:rPr>
+              <a:t>을 통한 추천</a:t>
+            </a:r>
+            <a:r>
+              <a:rPr lang="en-US" altLang="ko-KR" dirty="0">
+                <a:solidFill>
+                  <a:srgbClr val="FFFFFF"/>
+                </a:solidFill>
+              </a:rPr>
+              <a:t>, </a:t>
+            </a:r>
+            <a:r>
+              <a:rPr lang="ko-KR" altLang="en-US" dirty="0">
+                <a:solidFill>
+                  <a:srgbClr val="FF0000"/>
+                </a:solidFill>
+              </a:rPr>
+              <a:t>소요 시간을 이용한 추천</a:t>
+            </a:r>
+            <a:r>
+              <a:rPr lang="ko-KR" altLang="en-US" dirty="0">
+                <a:solidFill>
+                  <a:srgbClr val="FFFFFF"/>
+                </a:solidFill>
+              </a:rPr>
+              <a:t> 등의 방법을 사용자가 선택하도록 합니다</a:t>
+            </a:r>
+            <a:r>
+              <a:rPr lang="en-US" altLang="ko-KR" dirty="0">
+                <a:solidFill>
+                  <a:srgbClr val="FFFFFF"/>
+                </a:solidFill>
+              </a:rPr>
               <a:t>.</a:t>
             </a:r>
           </a:p>
@@ -5804,59 +5897,55 @@
                   <a:srgbClr val="FFFFFF"/>
                 </a:solidFill>
               </a:rPr>
-              <a:t>평가와 함께 사용자의 기록을 서버에 등록합니다</a:t>
-            </a:r>
-            <a:r>
-              <a:rPr lang="en-US" altLang="ko-KR" dirty="0">
-                <a:solidFill>
-                  <a:srgbClr val="FFFFFF"/>
-                </a:solidFill>
-              </a:rPr>
-              <a:t>.</a:t>
-            </a:r>
-          </a:p>
-          <a:p>
-            <a:r>
-              <a:rPr lang="ko-KR" altLang="en-US" dirty="0">
-                <a:solidFill>
-                  <a:srgbClr val="FFFFFF"/>
-                </a:solidFill>
-              </a:rPr>
-              <a:t>사용자에게 해당 경로에 대한 통계를 전송합니다</a:t>
-            </a:r>
-            <a:r>
-              <a:rPr lang="en-US" altLang="ko-KR" dirty="0">
-                <a:solidFill>
-                  <a:srgbClr val="FFFFFF"/>
-                </a:solidFill>
-              </a:rPr>
-              <a:t>.</a:t>
-            </a:r>
-          </a:p>
-          <a:p>
-            <a:r>
-              <a:rPr lang="ko-KR" altLang="en-US" dirty="0">
-                <a:solidFill>
-                  <a:srgbClr val="FFFFFF"/>
-                </a:solidFill>
-              </a:rPr>
-              <a:t>경쟁모드를 활성화 한 사용자의 경우 자신의 등수와 </a:t>
-            </a:r>
-            <a:r>
-              <a:rPr lang="en-US" altLang="ko-KR" dirty="0">
-                <a:solidFill>
-                  <a:srgbClr val="FFFFFF"/>
-                </a:solidFill>
-              </a:rPr>
-              <a:t>1</a:t>
-            </a:r>
-            <a:r>
-              <a:rPr lang="ko-KR" altLang="en-US" dirty="0">
-                <a:solidFill>
-                  <a:srgbClr val="FFFFFF"/>
-                </a:solidFill>
-              </a:rPr>
-              <a:t>위와의 기록 차이 등을 함께 보여줍니다</a:t>
+              <a:t>이 화면에서</a:t>
+            </a:r>
+            <a:r>
+              <a:rPr lang="en-US" altLang="ko-KR" dirty="0">
+                <a:solidFill>
+                  <a:srgbClr val="FFFFFF"/>
+                </a:solidFill>
+              </a:rPr>
+              <a:t>, </a:t>
+            </a:r>
+            <a:r>
+              <a:rPr lang="ko-KR" altLang="en-US" dirty="0">
+                <a:solidFill>
+                  <a:srgbClr val="FFFFFF"/>
+                </a:solidFill>
+              </a:rPr>
+              <a:t>비슷한 조건의 사람의 경우 시간이 얼마나 걸렸는지</a:t>
+            </a:r>
+            <a:r>
+              <a:rPr lang="en-US" altLang="ko-KR" dirty="0">
+                <a:solidFill>
+                  <a:srgbClr val="FFFFFF"/>
+                </a:solidFill>
+              </a:rPr>
+              <a:t>, </a:t>
+            </a:r>
+            <a:r>
+              <a:rPr lang="ko-KR" altLang="en-US" dirty="0">
+                <a:solidFill>
+                  <a:srgbClr val="FFFFFF"/>
+                </a:solidFill>
+              </a:rPr>
+              <a:t>최고기록이 누가 세웠고 얼마나 걸렸는지</a:t>
+            </a:r>
+            <a:r>
+              <a:rPr lang="en-US" altLang="ko-KR" dirty="0">
+                <a:solidFill>
+                  <a:srgbClr val="FFFFFF"/>
+                </a:solidFill>
+              </a:rPr>
+              <a:t>, </a:t>
+            </a:r>
+            <a:r>
+              <a:rPr lang="ko-KR" altLang="en-US" dirty="0">
+                <a:solidFill>
+                  <a:srgbClr val="FFFFFF"/>
+                </a:solidFill>
+              </a:rPr>
+              <a:t>해당 경로를 이용하는 사람이 얼마나 많은지를 알려줍니다</a:t>
             </a:r>
             <a:r>
               <a:rPr lang="en-US" altLang="ko-KR" dirty="0">
@@ -5875,7 +5964,7 @@
             </a:endParaRPr>
           </a:p>
           <a:p>
-            <a:endParaRPr lang="ko-KR" altLang="en-US" dirty="0">
+            <a:endParaRPr lang="en-US" altLang="ko-KR" dirty="0">
               <a:solidFill>
                 <a:srgbClr val="FFFFFF"/>
               </a:solidFill>
@@ -5886,7 +5975,7 @@
     </p:spTree>
     <p:extLst>
       <p:ext uri="{BB962C8B-B14F-4D97-AF65-F5344CB8AC3E}">
-        <p14:creationId xmlns:p14="http://schemas.microsoft.com/office/powerpoint/2010/main" val="2510467914"/>
+        <p14:creationId xmlns:p14="http://schemas.microsoft.com/office/powerpoint/2010/main" val="1647495977"/>
       </p:ext>
     </p:extLst>
   </p:cSld>
@@ -6058,6 +6147,510 @@
     <p:extLst>
       <p:ext uri="{BB962C8B-B14F-4D97-AF65-F5344CB8AC3E}">
         <p14:creationId xmlns:p14="http://schemas.microsoft.com/office/powerpoint/2010/main" val="1216006926"/>
+      </p:ext>
+    </p:extLst>
+  </p:cSld>
+  <p:clrMapOvr>
+    <a:masterClrMapping/>
+  </p:clrMapOvr>
+</p:sld>
+</file>
+
+<file path=ppt/slides/slide20.xml><?xml version="1.0" encoding="utf-8"?>
+<p:sld xmlns:a="http://schemas.openxmlformats.org/drawingml/2006/main" xmlns:r="http://schemas.openxmlformats.org/officeDocument/2006/relationships" xmlns:p="http://schemas.openxmlformats.org/presentationml/2006/main">
+  <p:cSld>
+    <p:spTree>
+      <p:nvGrpSpPr>
+        <p:cNvPr id="1" name=""/>
+        <p:cNvGrpSpPr/>
+        <p:nvPr/>
+      </p:nvGrpSpPr>
+      <p:grpSpPr>
+        <a:xfrm>
+          <a:off x="0" y="0"/>
+          <a:ext cx="0" cy="0"/>
+          <a:chOff x="0" y="0"/>
+          <a:chExt cx="0" cy="0"/>
+        </a:xfrm>
+      </p:grpSpPr>
+      <p:sp>
+        <p:nvSpPr>
+          <p:cNvPr id="2" name="제목 1">
+            <a:extLst>
+              <a:ext uri="{FF2B5EF4-FFF2-40B4-BE49-F238E27FC236}">
+                <a16:creationId xmlns:a16="http://schemas.microsoft.com/office/drawing/2014/main" id="{AB856507-BBD1-40CE-9C74-85E737F27F84}"/>
+              </a:ext>
+            </a:extLst>
+          </p:cNvPr>
+          <p:cNvSpPr>
+            <a:spLocks noGrp="1"/>
+          </p:cNvSpPr>
+          <p:nvPr>
+            <p:ph type="title"/>
+          </p:nvPr>
+        </p:nvSpPr>
+        <p:spPr/>
+        <p:txBody>
+          <a:bodyPr/>
+          <a:lstStyle/>
+          <a:p>
+            <a:r>
+              <a:rPr lang="ko-KR" altLang="en-US" dirty="0">
+                <a:solidFill>
+                  <a:srgbClr val="2FFF00"/>
+                </a:solidFill>
+              </a:rPr>
+              <a:t>조깅 코스 추천</a:t>
+            </a:r>
+          </a:p>
+        </p:txBody>
+      </p:sp>
+      <p:sp>
+        <p:nvSpPr>
+          <p:cNvPr id="3" name="내용 개체 틀 2">
+            <a:extLst>
+              <a:ext uri="{FF2B5EF4-FFF2-40B4-BE49-F238E27FC236}">
+                <a16:creationId xmlns:a16="http://schemas.microsoft.com/office/drawing/2014/main" id="{B34B19B6-2E68-46A1-8D1E-28EDFC0E710F}"/>
+              </a:ext>
+            </a:extLst>
+          </p:cNvPr>
+          <p:cNvSpPr>
+            <a:spLocks noGrp="1"/>
+          </p:cNvSpPr>
+          <p:nvPr>
+            <p:ph idx="1"/>
+          </p:nvPr>
+        </p:nvSpPr>
+        <p:spPr/>
+        <p:txBody>
+          <a:bodyPr/>
+          <a:lstStyle/>
+          <a:p>
+            <a:endParaRPr lang="en-US" altLang="ko-KR" dirty="0">
+              <a:solidFill>
+                <a:srgbClr val="FFFFFF"/>
+              </a:solidFill>
+            </a:endParaRPr>
+          </a:p>
+          <a:p>
+            <a:endParaRPr lang="en-US" altLang="ko-KR" dirty="0">
+              <a:solidFill>
+                <a:srgbClr val="FFFFFF"/>
+              </a:solidFill>
+            </a:endParaRPr>
+          </a:p>
+        </p:txBody>
+      </p:sp>
+      <p:pic>
+        <p:nvPicPr>
+          <p:cNvPr id="4" name="그림 3" descr="스크린샷이(가) 표시된 사진&#10;&#10;자동 생성된 설명">
+            <a:extLst>
+              <a:ext uri="{FF2B5EF4-FFF2-40B4-BE49-F238E27FC236}">
+                <a16:creationId xmlns:a16="http://schemas.microsoft.com/office/drawing/2014/main" id="{07798F08-1B2A-40B6-892E-D9BB30BD43FE}"/>
+              </a:ext>
+            </a:extLst>
+          </p:cNvPr>
+          <p:cNvPicPr/>
+          <p:nvPr/>
+        </p:nvPicPr>
+        <p:blipFill>
+          <a:blip r:embed="rId2">
+            <a:extLst>
+              <a:ext uri="{28A0092B-C50C-407E-A947-70E740481C1C}">
+                <a14:useLocalDpi xmlns:a14="http://schemas.microsoft.com/office/drawing/2010/main" val="0"/>
+              </a:ext>
+            </a:extLst>
+          </a:blip>
+          <a:stretch>
+            <a:fillRect/>
+          </a:stretch>
+        </p:blipFill>
+        <p:spPr>
+          <a:xfrm>
+            <a:off x="2450864" y="1825625"/>
+            <a:ext cx="7290271" cy="4359911"/>
+          </a:xfrm>
+          <a:prstGeom prst="rect">
+            <a:avLst/>
+          </a:prstGeom>
+        </p:spPr>
+      </p:pic>
+    </p:spTree>
+    <p:extLst>
+      <p:ext uri="{BB962C8B-B14F-4D97-AF65-F5344CB8AC3E}">
+        <p14:creationId xmlns:p14="http://schemas.microsoft.com/office/powerpoint/2010/main" val="52734426"/>
+      </p:ext>
+    </p:extLst>
+  </p:cSld>
+  <p:clrMapOvr>
+    <a:masterClrMapping/>
+  </p:clrMapOvr>
+</p:sld>
+</file>
+
+<file path=ppt/slides/slide21.xml><?xml version="1.0" encoding="utf-8"?>
+<p:sld xmlns:a="http://schemas.openxmlformats.org/drawingml/2006/main" xmlns:r="http://schemas.openxmlformats.org/officeDocument/2006/relationships" xmlns:p="http://schemas.openxmlformats.org/presentationml/2006/main">
+  <p:cSld>
+    <p:spTree>
+      <p:nvGrpSpPr>
+        <p:cNvPr id="1" name=""/>
+        <p:cNvGrpSpPr/>
+        <p:nvPr/>
+      </p:nvGrpSpPr>
+      <p:grpSpPr>
+        <a:xfrm>
+          <a:off x="0" y="0"/>
+          <a:ext cx="0" cy="0"/>
+          <a:chOff x="0" y="0"/>
+          <a:chExt cx="0" cy="0"/>
+        </a:xfrm>
+      </p:grpSpPr>
+      <p:sp>
+        <p:nvSpPr>
+          <p:cNvPr id="2" name="제목 1">
+            <a:extLst>
+              <a:ext uri="{FF2B5EF4-FFF2-40B4-BE49-F238E27FC236}">
+                <a16:creationId xmlns:a16="http://schemas.microsoft.com/office/drawing/2014/main" id="{9ECA04CD-6703-4A72-9959-F3E691B5845F}"/>
+              </a:ext>
+            </a:extLst>
+          </p:cNvPr>
+          <p:cNvSpPr>
+            <a:spLocks noGrp="1"/>
+          </p:cNvSpPr>
+          <p:nvPr>
+            <p:ph type="title"/>
+          </p:nvPr>
+        </p:nvSpPr>
+        <p:spPr/>
+        <p:txBody>
+          <a:bodyPr/>
+          <a:lstStyle/>
+          <a:p>
+            <a:r>
+              <a:rPr lang="ko-KR" altLang="en-US" dirty="0">
+                <a:solidFill>
+                  <a:srgbClr val="2FFF00"/>
+                </a:solidFill>
+              </a:rPr>
+              <a:t>달리기 중</a:t>
+            </a:r>
+            <a:r>
+              <a:rPr lang="en-US" altLang="ko-KR" dirty="0">
+                <a:solidFill>
+                  <a:srgbClr val="2FFF00"/>
+                </a:solidFill>
+              </a:rPr>
+              <a:t>(</a:t>
+            </a:r>
+            <a:r>
+              <a:rPr lang="ko-KR" altLang="en-US" dirty="0">
+                <a:solidFill>
+                  <a:srgbClr val="2FFF00"/>
+                </a:solidFill>
+              </a:rPr>
+              <a:t>러닝메이트</a:t>
+            </a:r>
+            <a:r>
+              <a:rPr lang="en-US" altLang="ko-KR" dirty="0">
+                <a:solidFill>
+                  <a:srgbClr val="2FFF00"/>
+                </a:solidFill>
+              </a:rPr>
+              <a:t>)</a:t>
+            </a:r>
+            <a:endParaRPr lang="ko-KR" altLang="en-US" dirty="0">
+              <a:solidFill>
+                <a:srgbClr val="2FFF00"/>
+              </a:solidFill>
+            </a:endParaRPr>
+          </a:p>
+        </p:txBody>
+      </p:sp>
+      <p:sp>
+        <p:nvSpPr>
+          <p:cNvPr id="3" name="내용 개체 틀 2">
+            <a:extLst>
+              <a:ext uri="{FF2B5EF4-FFF2-40B4-BE49-F238E27FC236}">
+                <a16:creationId xmlns:a16="http://schemas.microsoft.com/office/drawing/2014/main" id="{131EAD1D-C057-41BB-A28A-84B3489652AA}"/>
+              </a:ext>
+            </a:extLst>
+          </p:cNvPr>
+          <p:cNvSpPr>
+            <a:spLocks noGrp="1"/>
+          </p:cNvSpPr>
+          <p:nvPr>
+            <p:ph idx="1"/>
+          </p:nvPr>
+        </p:nvSpPr>
+        <p:spPr/>
+        <p:txBody>
+          <a:bodyPr/>
+          <a:lstStyle/>
+          <a:p>
+            <a:r>
+              <a:rPr lang="ko-KR" altLang="en-US" dirty="0">
+                <a:solidFill>
+                  <a:srgbClr val="FFFFFF"/>
+                </a:solidFill>
+              </a:rPr>
+              <a:t>달리는 중 해당 추천경로를 이용한 사용자 기록 가운데 자신과 </a:t>
+            </a:r>
+            <a:r>
+              <a:rPr lang="ko-KR" altLang="en-US" dirty="0">
+                <a:solidFill>
+                  <a:srgbClr val="FF0000"/>
+                </a:solidFill>
+              </a:rPr>
+              <a:t>가장 가까운 이용자의 기록</a:t>
+            </a:r>
+            <a:r>
+              <a:rPr lang="ko-KR" altLang="en-US" dirty="0">
+                <a:solidFill>
+                  <a:srgbClr val="FFFFFF"/>
+                </a:solidFill>
+              </a:rPr>
+              <a:t>을 가져옵니다</a:t>
+            </a:r>
+            <a:r>
+              <a:rPr lang="en-US" altLang="ko-KR" dirty="0">
+                <a:solidFill>
+                  <a:srgbClr val="FFFFFF"/>
+                </a:solidFill>
+              </a:rPr>
+              <a:t>.</a:t>
+            </a:r>
+          </a:p>
+          <a:p>
+            <a:r>
+              <a:rPr lang="ko-KR" altLang="en-US" dirty="0">
+                <a:solidFill>
+                  <a:srgbClr val="FFFFFF"/>
+                </a:solidFill>
+              </a:rPr>
+              <a:t>해당 사용자의 경과 시간당 위치를 일정한 주기로 사용자에게 알려줍니다</a:t>
+            </a:r>
+            <a:r>
+              <a:rPr lang="en-US" altLang="ko-KR" dirty="0">
+                <a:solidFill>
+                  <a:srgbClr val="FFFFFF"/>
+                </a:solidFill>
+              </a:rPr>
+              <a:t>.</a:t>
+            </a:r>
+            <a:endParaRPr lang="ko-KR" altLang="en-US" dirty="0">
+              <a:solidFill>
+                <a:srgbClr val="FFFFFF"/>
+              </a:solidFill>
+            </a:endParaRPr>
+          </a:p>
+        </p:txBody>
+      </p:sp>
+    </p:spTree>
+    <p:extLst>
+      <p:ext uri="{BB962C8B-B14F-4D97-AF65-F5344CB8AC3E}">
+        <p14:creationId xmlns:p14="http://schemas.microsoft.com/office/powerpoint/2010/main" val="3421607069"/>
+      </p:ext>
+    </p:extLst>
+  </p:cSld>
+  <p:clrMapOvr>
+    <a:masterClrMapping/>
+  </p:clrMapOvr>
+</p:sld>
+</file>
+
+<file path=ppt/slides/slide22.xml><?xml version="1.0" encoding="utf-8"?>
+<p:sld xmlns:a="http://schemas.openxmlformats.org/drawingml/2006/main" xmlns:r="http://schemas.openxmlformats.org/officeDocument/2006/relationships" xmlns:p="http://schemas.openxmlformats.org/presentationml/2006/main">
+  <p:cSld>
+    <p:spTree>
+      <p:nvGrpSpPr>
+        <p:cNvPr id="1" name=""/>
+        <p:cNvGrpSpPr/>
+        <p:nvPr/>
+      </p:nvGrpSpPr>
+      <p:grpSpPr>
+        <a:xfrm>
+          <a:off x="0" y="0"/>
+          <a:ext cx="0" cy="0"/>
+          <a:chOff x="0" y="0"/>
+          <a:chExt cx="0" cy="0"/>
+        </a:xfrm>
+      </p:grpSpPr>
+      <p:sp>
+        <p:nvSpPr>
+          <p:cNvPr id="2" name="제목 1">
+            <a:extLst>
+              <a:ext uri="{FF2B5EF4-FFF2-40B4-BE49-F238E27FC236}">
+                <a16:creationId xmlns:a16="http://schemas.microsoft.com/office/drawing/2014/main" id="{2AF9C316-D345-4FDA-A465-ACB83D956C34}"/>
+              </a:ext>
+            </a:extLst>
+          </p:cNvPr>
+          <p:cNvSpPr>
+            <a:spLocks noGrp="1"/>
+          </p:cNvSpPr>
+          <p:nvPr>
+            <p:ph type="title"/>
+          </p:nvPr>
+        </p:nvSpPr>
+        <p:spPr/>
+        <p:txBody>
+          <a:bodyPr/>
+          <a:lstStyle/>
+          <a:p>
+            <a:r>
+              <a:rPr lang="en-US" altLang="ko-KR" dirty="0">
+                <a:solidFill>
+                  <a:srgbClr val="2FFF00"/>
+                </a:solidFill>
+              </a:rPr>
+              <a:t>RECOMMENDED RUN/</a:t>
+            </a:r>
+            <a:r>
+              <a:rPr lang="ko-KR" altLang="en-US" dirty="0">
+                <a:solidFill>
+                  <a:srgbClr val="2FFF00"/>
+                </a:solidFill>
+              </a:rPr>
+              <a:t>달리기 종료 후</a:t>
+            </a:r>
+          </a:p>
+        </p:txBody>
+      </p:sp>
+      <p:sp>
+        <p:nvSpPr>
+          <p:cNvPr id="3" name="내용 개체 틀 2">
+            <a:extLst>
+              <a:ext uri="{FF2B5EF4-FFF2-40B4-BE49-F238E27FC236}">
+                <a16:creationId xmlns:a16="http://schemas.microsoft.com/office/drawing/2014/main" id="{1ED1EF22-77A7-416E-A10F-28137477BEBA}"/>
+              </a:ext>
+            </a:extLst>
+          </p:cNvPr>
+          <p:cNvSpPr>
+            <a:spLocks noGrp="1"/>
+          </p:cNvSpPr>
+          <p:nvPr>
+            <p:ph idx="1"/>
+          </p:nvPr>
+        </p:nvSpPr>
+        <p:spPr/>
+        <p:txBody>
+          <a:bodyPr/>
+          <a:lstStyle/>
+          <a:p>
+            <a:r>
+              <a:rPr lang="ko-KR" altLang="en-US" dirty="0">
+                <a:solidFill>
+                  <a:srgbClr val="FFFFFF"/>
+                </a:solidFill>
+              </a:rPr>
+              <a:t>사용자에게 해당 조깅 경험에 대한 </a:t>
+            </a:r>
+            <a:r>
+              <a:rPr lang="ko-KR" altLang="en-US" dirty="0">
+                <a:solidFill>
+                  <a:srgbClr val="FF0000"/>
+                </a:solidFill>
+              </a:rPr>
+              <a:t>평가를 받습니다</a:t>
+            </a:r>
+            <a:r>
+              <a:rPr lang="en-US" altLang="ko-KR" dirty="0">
+                <a:solidFill>
+                  <a:srgbClr val="FF0000"/>
+                </a:solidFill>
+              </a:rPr>
+              <a:t>.</a:t>
+            </a:r>
+          </a:p>
+          <a:p>
+            <a:r>
+              <a:rPr lang="ko-KR" altLang="en-US" dirty="0">
+                <a:solidFill>
+                  <a:srgbClr val="FFFFFF"/>
+                </a:solidFill>
+              </a:rPr>
+              <a:t>평가와 함께 사용자의 기록을 서버에 등록합니다</a:t>
+            </a:r>
+            <a:r>
+              <a:rPr lang="en-US" altLang="ko-KR" dirty="0">
+                <a:solidFill>
+                  <a:srgbClr val="FFFFFF"/>
+                </a:solidFill>
+              </a:rPr>
+              <a:t>.</a:t>
+            </a:r>
+          </a:p>
+          <a:p>
+            <a:r>
+              <a:rPr lang="ko-KR" altLang="en-US" dirty="0">
+                <a:solidFill>
+                  <a:srgbClr val="FFFFFF"/>
+                </a:solidFill>
+              </a:rPr>
+              <a:t>사용자에게 해당 경로에 대한 통계를 전송합니다</a:t>
+            </a:r>
+            <a:r>
+              <a:rPr lang="en-US" altLang="ko-KR" dirty="0">
+                <a:solidFill>
+                  <a:srgbClr val="FFFFFF"/>
+                </a:solidFill>
+              </a:rPr>
+              <a:t>.</a:t>
+            </a:r>
+          </a:p>
+          <a:p>
+            <a:r>
+              <a:rPr lang="ko-KR" altLang="en-US" dirty="0">
+                <a:solidFill>
+                  <a:srgbClr val="FFFFFF"/>
+                </a:solidFill>
+              </a:rPr>
+              <a:t>경쟁모드를 활성화 한 사용자의 경우 자신의 등수와 </a:t>
+            </a:r>
+            <a:r>
+              <a:rPr lang="en-US" altLang="ko-KR" dirty="0">
+                <a:solidFill>
+                  <a:srgbClr val="FFFFFF"/>
+                </a:solidFill>
+              </a:rPr>
+              <a:t>1</a:t>
+            </a:r>
+            <a:r>
+              <a:rPr lang="ko-KR" altLang="en-US" dirty="0">
+                <a:solidFill>
+                  <a:srgbClr val="FFFFFF"/>
+                </a:solidFill>
+              </a:rPr>
+              <a:t>위와의 기록 차이 등을 함께 보여줍니다</a:t>
+            </a:r>
+            <a:r>
+              <a:rPr lang="en-US" altLang="ko-KR" dirty="0">
+                <a:solidFill>
+                  <a:srgbClr val="FFFFFF"/>
+                </a:solidFill>
+              </a:rPr>
+              <a:t>.</a:t>
+            </a:r>
+          </a:p>
+          <a:p>
+            <a:endParaRPr lang="en-US" altLang="ko-KR" dirty="0">
+              <a:solidFill>
+                <a:srgbClr val="FFFFFF"/>
+              </a:solidFill>
+            </a:endParaRPr>
+          </a:p>
+          <a:p>
+            <a:endParaRPr lang="ko-KR" altLang="en-US" dirty="0">
+              <a:solidFill>
+                <a:srgbClr val="FFFFFF"/>
+              </a:solidFill>
+            </a:endParaRPr>
+          </a:p>
+        </p:txBody>
+      </p:sp>
+    </p:spTree>
+    <p:extLst>
+      <p:ext uri="{BB962C8B-B14F-4D97-AF65-F5344CB8AC3E}">
+        <p14:creationId xmlns:p14="http://schemas.microsoft.com/office/powerpoint/2010/main" val="2510467914"/>
       </p:ext>
     </p:extLst>
   </p:cSld>
@@ -6798,7 +7391,7 @@
           <p:cNvPr id="2" name="제목 1">
             <a:extLst>
               <a:ext uri="{FF2B5EF4-FFF2-40B4-BE49-F238E27FC236}">
-                <a16:creationId xmlns:a16="http://schemas.microsoft.com/office/drawing/2014/main" id="{0C76AB40-DD9B-4DCB-9286-A699D796DD60}"/>
+                <a16:creationId xmlns:a16="http://schemas.microsoft.com/office/drawing/2014/main" id="{33D389A6-B5EE-403D-A9D3-07431BBCA4E0}"/>
               </a:ext>
             </a:extLst>
           </p:cNvPr>
@@ -6820,347 +7413,60 @@
                   <a:srgbClr val="2FFF00"/>
                 </a:solidFill>
               </a:rPr>
-              <a:t>이동 경로 기록</a:t>
-            </a:r>
-          </a:p>
-        </p:txBody>
-      </p:sp>
-      <p:sp>
-        <p:nvSpPr>
-          <p:cNvPr id="3" name="내용 개체 틀 2">
-            <a:extLst>
-              <a:ext uri="{FF2B5EF4-FFF2-40B4-BE49-F238E27FC236}">
-                <a16:creationId xmlns:a16="http://schemas.microsoft.com/office/drawing/2014/main" id="{4436FAEC-D3F1-4159-B3A3-DECAF30E09FF}"/>
-              </a:ext>
-            </a:extLst>
-          </p:cNvPr>
-          <p:cNvSpPr>
-            <a:spLocks noGrp="1"/>
-          </p:cNvSpPr>
+              <a:t>사용자 인증</a:t>
+            </a:r>
+          </a:p>
+        </p:txBody>
+      </p:sp>
+      <p:pic>
+        <p:nvPicPr>
+          <p:cNvPr id="4" name="내용 개체 틀 3" descr="스크린샷이(가) 표시된 사진&#10;&#10;자동 생성된 설명">
+            <a:extLst>
+              <a:ext uri="{FF2B5EF4-FFF2-40B4-BE49-F238E27FC236}">
+                <a16:creationId xmlns:a16="http://schemas.microsoft.com/office/drawing/2014/main" id="{22ADA3F2-9CC2-4024-90D2-C29FB328722D}"/>
+              </a:ext>
+            </a:extLst>
+          </p:cNvPr>
+          <p:cNvPicPr>
+            <a:picLocks noGrp="1"/>
+          </p:cNvPicPr>
           <p:nvPr>
             <p:ph idx="1"/>
           </p:nvPr>
-        </p:nvSpPr>
-        <p:spPr/>
-        <p:txBody>
-          <a:bodyPr/>
-          <a:lstStyle/>
-          <a:p>
-            <a:pPr marL="514350" indent="-514350">
-              <a:buFont typeface="+mj-lt"/>
-              <a:buAutoNum type="arabicPeriod"/>
-            </a:pPr>
-            <a:r>
-              <a:rPr lang="ko-KR" altLang="en-US" dirty="0">
-                <a:solidFill>
-                  <a:srgbClr val="FFFFFF"/>
-                </a:solidFill>
-              </a:rPr>
-              <a:t>사용자가 </a:t>
-            </a:r>
-            <a:r>
-              <a:rPr lang="en-US" altLang="ko-KR" dirty="0">
-                <a:solidFill>
-                  <a:srgbClr val="FFFFFF"/>
-                </a:solidFill>
-              </a:rPr>
-              <a:t>‘</a:t>
-            </a:r>
-            <a:r>
-              <a:rPr lang="ko-KR" altLang="en-US" dirty="0">
-                <a:solidFill>
-                  <a:srgbClr val="FFFFFF"/>
-                </a:solidFill>
-              </a:rPr>
-              <a:t>달리기</a:t>
-            </a:r>
-            <a:r>
-              <a:rPr lang="en-US" altLang="ko-KR" dirty="0">
-                <a:solidFill>
-                  <a:srgbClr val="FFFFFF"/>
-                </a:solidFill>
-              </a:rPr>
-              <a:t>’  </a:t>
-            </a:r>
-            <a:r>
-              <a:rPr lang="ko-KR" altLang="en-US" dirty="0">
-                <a:solidFill>
-                  <a:srgbClr val="FFFFFF"/>
-                </a:solidFill>
-              </a:rPr>
-              <a:t>상태에 있습니다</a:t>
-            </a:r>
-            <a:r>
-              <a:rPr lang="en-US" altLang="ko-KR" dirty="0">
-                <a:solidFill>
-                  <a:srgbClr val="FFFFFF"/>
-                </a:solidFill>
-              </a:rPr>
-              <a:t>.</a:t>
-            </a:r>
-          </a:p>
-          <a:p>
-            <a:pPr marL="514350" indent="-514350">
-              <a:buFont typeface="+mj-lt"/>
-              <a:buAutoNum type="arabicPeriod"/>
-            </a:pPr>
-            <a:r>
-              <a:rPr lang="ko-KR" altLang="en-US" dirty="0">
-                <a:solidFill>
-                  <a:srgbClr val="FFFFFF"/>
-                </a:solidFill>
-              </a:rPr>
-              <a:t>짧은 시간에 한번씩</a:t>
-            </a:r>
-            <a:r>
-              <a:rPr lang="en-US" altLang="ko-KR" dirty="0">
-                <a:solidFill>
-                  <a:srgbClr val="FFFFFF"/>
-                </a:solidFill>
-              </a:rPr>
-              <a:t>(</a:t>
-            </a:r>
-            <a:r>
-              <a:rPr lang="ko-KR" altLang="en-US" dirty="0">
-                <a:solidFill>
-                  <a:srgbClr val="FFFFFF"/>
-                </a:solidFill>
-              </a:rPr>
-              <a:t>예</a:t>
-            </a:r>
-            <a:r>
-              <a:rPr lang="en-US" altLang="ko-KR" dirty="0">
-                <a:solidFill>
-                  <a:srgbClr val="FFFFFF"/>
-                </a:solidFill>
-              </a:rPr>
-              <a:t>: 5</a:t>
-            </a:r>
-            <a:r>
-              <a:rPr lang="ko-KR" altLang="en-US" dirty="0">
-                <a:solidFill>
-                  <a:srgbClr val="FFFFFF"/>
-                </a:solidFill>
-              </a:rPr>
-              <a:t>초</a:t>
-            </a:r>
-            <a:r>
-              <a:rPr lang="en-US" altLang="ko-KR" dirty="0">
-                <a:solidFill>
-                  <a:srgbClr val="FFFFFF"/>
-                </a:solidFill>
-              </a:rPr>
-              <a:t>) </a:t>
-            </a:r>
-            <a:r>
-              <a:rPr lang="ko-KR" altLang="en-US" dirty="0">
-                <a:solidFill>
-                  <a:srgbClr val="FFFFFF"/>
-                </a:solidFill>
-              </a:rPr>
-              <a:t>사용자의 위치를 파악합니다</a:t>
-            </a:r>
-            <a:r>
-              <a:rPr lang="en-US" altLang="ko-KR" dirty="0">
-                <a:solidFill>
-                  <a:srgbClr val="FFFFFF"/>
-                </a:solidFill>
-              </a:rPr>
-              <a:t>.</a:t>
-            </a:r>
-          </a:p>
-          <a:p>
-            <a:pPr marL="514350" indent="-514350">
-              <a:buFont typeface="+mj-lt"/>
-              <a:buAutoNum type="arabicPeriod"/>
-            </a:pPr>
-            <a:r>
-              <a:rPr lang="ko-KR" altLang="en-US" dirty="0">
-                <a:solidFill>
-                  <a:srgbClr val="FFFFFF"/>
-                </a:solidFill>
-              </a:rPr>
-              <a:t>이후 설명하는 지형적 특성 파악 기능의 연산 결과를 파악하여</a:t>
-            </a:r>
-            <a:r>
-              <a:rPr lang="en-US" altLang="ko-KR" dirty="0">
-                <a:solidFill>
-                  <a:srgbClr val="FFFFFF"/>
-                </a:solidFill>
-              </a:rPr>
-              <a:t>,</a:t>
-            </a:r>
-            <a:r>
-              <a:rPr lang="ko-KR" altLang="en-US" dirty="0">
-                <a:solidFill>
-                  <a:srgbClr val="FF0000"/>
-                </a:solidFill>
-              </a:rPr>
-              <a:t>시간에 대한 정보 등과 함께</a:t>
-            </a:r>
-            <a:r>
-              <a:rPr lang="en-US" altLang="ko-KR" dirty="0">
-                <a:solidFill>
-                  <a:srgbClr val="FF0000"/>
-                </a:solidFill>
-              </a:rPr>
-              <a:t> </a:t>
-            </a:r>
-            <a:r>
-              <a:rPr lang="ko-KR" altLang="en-US" dirty="0">
-                <a:solidFill>
-                  <a:srgbClr val="FF0000"/>
-                </a:solidFill>
-              </a:rPr>
-              <a:t>서버로 정보를 전송</a:t>
-            </a:r>
-            <a:r>
-              <a:rPr lang="ko-KR" altLang="en-US" dirty="0">
-                <a:solidFill>
-                  <a:srgbClr val="FFFFFF"/>
-                </a:solidFill>
-              </a:rPr>
-              <a:t>합니다</a:t>
-            </a:r>
-            <a:r>
-              <a:rPr lang="en-US" altLang="ko-KR" dirty="0">
-                <a:solidFill>
-                  <a:srgbClr val="FFFFFF"/>
-                </a:solidFill>
-              </a:rPr>
-              <a:t>.</a:t>
-            </a:r>
-            <a:r>
-              <a:rPr lang="ko-KR" altLang="en-US" dirty="0">
-                <a:solidFill>
-                  <a:srgbClr val="FFFFFF"/>
-                </a:solidFill>
-              </a:rPr>
-              <a:t> </a:t>
-            </a:r>
-            <a:endParaRPr lang="en-US" altLang="ko-KR" dirty="0">
-              <a:solidFill>
-                <a:srgbClr val="FFFFFF"/>
-              </a:solidFill>
-            </a:endParaRPr>
-          </a:p>
-          <a:p>
-            <a:pPr marL="514350" indent="-514350">
-              <a:buFont typeface="+mj-lt"/>
-              <a:buAutoNum type="arabicPeriod"/>
-            </a:pPr>
-            <a:r>
-              <a:rPr lang="ko-KR" altLang="en-US" dirty="0">
-                <a:solidFill>
-                  <a:srgbClr val="FFFFFF"/>
-                </a:solidFill>
-              </a:rPr>
-              <a:t>이후 </a:t>
-            </a:r>
-            <a:r>
-              <a:rPr lang="ko-KR" altLang="en-US" dirty="0">
-                <a:solidFill>
-                  <a:srgbClr val="FF0000"/>
-                </a:solidFill>
-              </a:rPr>
-              <a:t>서버에서 구해진 고도 정보를 받아</a:t>
-            </a:r>
-            <a:r>
-              <a:rPr lang="en-US" altLang="ko-KR" dirty="0">
-                <a:solidFill>
-                  <a:srgbClr val="FFFFFF"/>
-                </a:solidFill>
-              </a:rPr>
-              <a:t>, </a:t>
-            </a:r>
-            <a:r>
-              <a:rPr lang="ko-KR" altLang="en-US" dirty="0">
-                <a:solidFill>
-                  <a:srgbClr val="FFFFFF"/>
-                </a:solidFill>
-              </a:rPr>
-              <a:t>이전 주기에 받은 정보와 대조하여</a:t>
-            </a:r>
-            <a:r>
-              <a:rPr lang="en-US" altLang="ko-KR" dirty="0">
-                <a:solidFill>
-                  <a:srgbClr val="FFFFFF"/>
-                </a:solidFill>
-              </a:rPr>
-              <a:t>, </a:t>
-            </a:r>
-            <a:r>
-              <a:rPr lang="ko-KR" altLang="en-US" dirty="0">
-                <a:solidFill>
-                  <a:srgbClr val="FF0000"/>
-                </a:solidFill>
-              </a:rPr>
-              <a:t>기울기를 구합니다</a:t>
-            </a:r>
-            <a:r>
-              <a:rPr lang="en-US" altLang="ko-KR" dirty="0">
-                <a:solidFill>
-                  <a:srgbClr val="FF0000"/>
-                </a:solidFill>
-              </a:rPr>
-              <a:t>.</a:t>
-            </a:r>
-          </a:p>
-          <a:p>
-            <a:pPr marL="514350" indent="-514350">
-              <a:buFont typeface="+mj-lt"/>
-              <a:buAutoNum type="arabicPeriod"/>
-            </a:pPr>
-            <a:r>
-              <a:rPr lang="ko-KR" altLang="en-US" dirty="0">
-                <a:solidFill>
-                  <a:srgbClr val="FFFFFF"/>
-                </a:solidFill>
-              </a:rPr>
-              <a:t>기존에 앱에서 수집한 정보와 서버에서 받아온 </a:t>
-            </a:r>
-            <a:r>
-              <a:rPr lang="ko-KR" altLang="en-US" dirty="0">
-                <a:solidFill>
-                  <a:srgbClr val="FF0000"/>
-                </a:solidFill>
-              </a:rPr>
-              <a:t>정보를 합산하여 화면에 출력</a:t>
-            </a:r>
-            <a:r>
-              <a:rPr lang="ko-KR" altLang="en-US" dirty="0">
-                <a:solidFill>
-                  <a:srgbClr val="FFFFFF"/>
-                </a:solidFill>
-              </a:rPr>
-              <a:t>합니다</a:t>
-            </a:r>
-            <a:r>
-              <a:rPr lang="en-US" altLang="ko-KR" dirty="0">
-                <a:solidFill>
-                  <a:srgbClr val="FFFFFF"/>
-                </a:solidFill>
-              </a:rPr>
-              <a:t>.</a:t>
-            </a:r>
-          </a:p>
-          <a:p>
-            <a:pPr marL="514350" indent="-514350">
-              <a:buFont typeface="+mj-lt"/>
-              <a:buAutoNum type="arabicPeriod"/>
-            </a:pPr>
-            <a:endParaRPr lang="ko-KR" altLang="en-US" dirty="0">
-              <a:solidFill>
-                <a:srgbClr val="FFFFFF"/>
-              </a:solidFill>
-            </a:endParaRPr>
-          </a:p>
-        </p:txBody>
-      </p:sp>
+        </p:nvPicPr>
+        <p:blipFill rotWithShape="1">
+          <a:blip r:embed="rId2">
+            <a:extLst>
+              <a:ext uri="{28A0092B-C50C-407E-A947-70E740481C1C}">
+                <a14:useLocalDpi xmlns:a14="http://schemas.microsoft.com/office/drawing/2010/main" val="0"/>
+              </a:ext>
+            </a:extLst>
+          </a:blip>
+          <a:srcRect r="288" b="11838"/>
+          <a:stretch/>
+        </p:blipFill>
+        <p:spPr bwMode="auto">
+          <a:xfrm>
+            <a:off x="1721421" y="1825625"/>
+            <a:ext cx="8749158" cy="4351338"/>
+          </a:xfrm>
+          <a:prstGeom prst="rect">
+            <a:avLst/>
+          </a:prstGeom>
+          <a:ln>
+            <a:noFill/>
+          </a:ln>
+          <a:extLst>
+            <a:ext uri="{53640926-AAD7-44D8-BBD7-CCE9431645EC}">
+              <a14:shadowObscured xmlns:a14="http://schemas.microsoft.com/office/drawing/2010/main"/>
+            </a:ext>
+          </a:extLst>
+        </p:spPr>
+      </p:pic>
     </p:spTree>
     <p:extLst>
       <p:ext uri="{BB962C8B-B14F-4D97-AF65-F5344CB8AC3E}">
-        <p14:creationId xmlns:p14="http://schemas.microsoft.com/office/powerpoint/2010/main" val="2967532829"/>
+        <p14:creationId xmlns:p14="http://schemas.microsoft.com/office/powerpoint/2010/main" val="2077945059"/>
       </p:ext>
     </p:extLst>
   </p:cSld>
@@ -7192,7 +7498,7 @@
           <p:cNvPr id="2" name="제목 1">
             <a:extLst>
               <a:ext uri="{FF2B5EF4-FFF2-40B4-BE49-F238E27FC236}">
-                <a16:creationId xmlns:a16="http://schemas.microsoft.com/office/drawing/2014/main" id="{883BEC4E-19EC-4154-A0CB-9B45B63569EF}"/>
+                <a16:creationId xmlns:a16="http://schemas.microsoft.com/office/drawing/2014/main" id="{0C76AB40-DD9B-4DCB-9286-A699D796DD60}"/>
               </a:ext>
             </a:extLst>
           </p:cNvPr>
@@ -7214,7 +7520,7 @@
                   <a:srgbClr val="2FFF00"/>
                 </a:solidFill>
               </a:rPr>
-              <a:t>지형적 특성 파악</a:t>
+              <a:t>이동 경로 기록</a:t>
             </a:r>
           </a:p>
         </p:txBody>
@@ -7224,7 +7530,7 @@
           <p:cNvPr id="3" name="내용 개체 틀 2">
             <a:extLst>
               <a:ext uri="{FF2B5EF4-FFF2-40B4-BE49-F238E27FC236}">
-                <a16:creationId xmlns:a16="http://schemas.microsoft.com/office/drawing/2014/main" id="{77C33641-3533-42D3-9867-4D803A426436}"/>
+                <a16:creationId xmlns:a16="http://schemas.microsoft.com/office/drawing/2014/main" id="{4436FAEC-D3F1-4159-B3A3-DECAF30E09FF}"/>
               </a:ext>
             </a:extLst>
           </p:cNvPr>
@@ -7240,13 +7546,224 @@
           <a:bodyPr/>
           <a:lstStyle/>
           <a:p>
-            <a:r>
-              <a:rPr lang="ko-KR" altLang="en-US" dirty="0">
-                <a:solidFill>
-                  <a:srgbClr val="FFFFFF"/>
-                </a:solidFill>
-              </a:rPr>
-              <a:t>사용자가 달리는 시점에서 마이크를 이용</a:t>
+            <a:pPr marL="514350" indent="-514350">
+              <a:buFont typeface="+mj-lt"/>
+              <a:buAutoNum type="arabicPeriod"/>
+            </a:pPr>
+            <a:r>
+              <a:rPr lang="ko-KR" altLang="en-US" dirty="0">
+                <a:solidFill>
+                  <a:srgbClr val="FFFFFF"/>
+                </a:solidFill>
+              </a:rPr>
+              <a:t>사용자가 </a:t>
+            </a:r>
+            <a:r>
+              <a:rPr lang="en-US" altLang="ko-KR" dirty="0">
+                <a:solidFill>
+                  <a:srgbClr val="FFFFFF"/>
+                </a:solidFill>
+              </a:rPr>
+              <a:t>‘</a:t>
+            </a:r>
+            <a:r>
+              <a:rPr lang="ko-KR" altLang="en-US" dirty="0">
+                <a:solidFill>
+                  <a:srgbClr val="FFFFFF"/>
+                </a:solidFill>
+              </a:rPr>
+              <a:t>달리기</a:t>
+            </a:r>
+            <a:r>
+              <a:rPr lang="en-US" altLang="ko-KR" dirty="0">
+                <a:solidFill>
+                  <a:srgbClr val="FFFFFF"/>
+                </a:solidFill>
+              </a:rPr>
+              <a:t>’  </a:t>
+            </a:r>
+            <a:r>
+              <a:rPr lang="ko-KR" altLang="en-US" dirty="0">
+                <a:solidFill>
+                  <a:srgbClr val="FFFFFF"/>
+                </a:solidFill>
+              </a:rPr>
+              <a:t>상태에 있습니다</a:t>
+            </a:r>
+            <a:r>
+              <a:rPr lang="en-US" altLang="ko-KR" dirty="0">
+                <a:solidFill>
+                  <a:srgbClr val="FFFFFF"/>
+                </a:solidFill>
+              </a:rPr>
+              <a:t>.</a:t>
+            </a:r>
+          </a:p>
+          <a:p>
+            <a:pPr marL="514350" indent="-514350">
+              <a:buFont typeface="+mj-lt"/>
+              <a:buAutoNum type="arabicPeriod"/>
+            </a:pPr>
+            <a:r>
+              <a:rPr lang="ko-KR" altLang="en-US" dirty="0">
+                <a:solidFill>
+                  <a:srgbClr val="FFFFFF"/>
+                </a:solidFill>
+              </a:rPr>
+              <a:t>짧은 시간에 한번씩</a:t>
+            </a:r>
+            <a:r>
+              <a:rPr lang="en-US" altLang="ko-KR" dirty="0">
+                <a:solidFill>
+                  <a:srgbClr val="FFFFFF"/>
+                </a:solidFill>
+              </a:rPr>
+              <a:t>(</a:t>
+            </a:r>
+            <a:r>
+              <a:rPr lang="ko-KR" altLang="en-US" dirty="0">
+                <a:solidFill>
+                  <a:srgbClr val="FFFFFF"/>
+                </a:solidFill>
+              </a:rPr>
+              <a:t>예</a:t>
+            </a:r>
+            <a:r>
+              <a:rPr lang="en-US" altLang="ko-KR" dirty="0">
+                <a:solidFill>
+                  <a:srgbClr val="FFFFFF"/>
+                </a:solidFill>
+              </a:rPr>
+              <a:t>: 5</a:t>
+            </a:r>
+            <a:r>
+              <a:rPr lang="ko-KR" altLang="en-US" dirty="0">
+                <a:solidFill>
+                  <a:srgbClr val="FFFFFF"/>
+                </a:solidFill>
+              </a:rPr>
+              <a:t>초</a:t>
+            </a:r>
+            <a:r>
+              <a:rPr lang="en-US" altLang="ko-KR" dirty="0">
+                <a:solidFill>
+                  <a:srgbClr val="FFFFFF"/>
+                </a:solidFill>
+              </a:rPr>
+              <a:t>) </a:t>
+            </a:r>
+            <a:r>
+              <a:rPr lang="ko-KR" altLang="en-US" dirty="0">
+                <a:solidFill>
+                  <a:srgbClr val="FFFFFF"/>
+                </a:solidFill>
+              </a:rPr>
+              <a:t>사용자의 위치를 파악합니다</a:t>
+            </a:r>
+            <a:r>
+              <a:rPr lang="en-US" altLang="ko-KR" dirty="0">
+                <a:solidFill>
+                  <a:srgbClr val="FFFFFF"/>
+                </a:solidFill>
+              </a:rPr>
+              <a:t>.</a:t>
+            </a:r>
+          </a:p>
+          <a:p>
+            <a:pPr marL="514350" indent="-514350">
+              <a:buFont typeface="+mj-lt"/>
+              <a:buAutoNum type="arabicPeriod"/>
+            </a:pPr>
+            <a:r>
+              <a:rPr lang="ko-KR" altLang="en-US" dirty="0">
+                <a:solidFill>
+                  <a:srgbClr val="FFFFFF"/>
+                </a:solidFill>
+              </a:rPr>
+              <a:t>이후 설명하는 지형적 특성 파악 기능의 연산 결과를 파악하여</a:t>
+            </a:r>
+            <a:r>
+              <a:rPr lang="en-US" altLang="ko-KR" dirty="0">
+                <a:solidFill>
+                  <a:srgbClr val="FFFFFF"/>
+                </a:solidFill>
+              </a:rPr>
+              <a:t>,</a:t>
+            </a:r>
+            <a:r>
+              <a:rPr lang="ko-KR" altLang="en-US" dirty="0">
+                <a:solidFill>
+                  <a:srgbClr val="FF0000"/>
+                </a:solidFill>
+              </a:rPr>
+              <a:t>시간에 대한 정보 등과 함께</a:t>
+            </a:r>
+            <a:r>
+              <a:rPr lang="en-US" altLang="ko-KR" dirty="0">
+                <a:solidFill>
+                  <a:srgbClr val="FF0000"/>
+                </a:solidFill>
+              </a:rPr>
+              <a:t> </a:t>
+            </a:r>
+            <a:r>
+              <a:rPr lang="ko-KR" altLang="en-US" dirty="0">
+                <a:solidFill>
+                  <a:srgbClr val="FF0000"/>
+                </a:solidFill>
+              </a:rPr>
+              <a:t>서버로 정보를 전송</a:t>
+            </a:r>
+            <a:r>
+              <a:rPr lang="ko-KR" altLang="en-US" dirty="0">
+                <a:solidFill>
+                  <a:srgbClr val="FFFFFF"/>
+                </a:solidFill>
+              </a:rPr>
+              <a:t>합니다</a:t>
+            </a:r>
+            <a:r>
+              <a:rPr lang="en-US" altLang="ko-KR" dirty="0">
+                <a:solidFill>
+                  <a:srgbClr val="FFFFFF"/>
+                </a:solidFill>
+              </a:rPr>
+              <a:t>.</a:t>
+            </a:r>
+            <a:r>
+              <a:rPr lang="ko-KR" altLang="en-US" dirty="0">
+                <a:solidFill>
+                  <a:srgbClr val="FFFFFF"/>
+                </a:solidFill>
+              </a:rPr>
+              <a:t> </a:t>
+            </a:r>
+            <a:endParaRPr lang="en-US" altLang="ko-KR" dirty="0">
+              <a:solidFill>
+                <a:srgbClr val="FFFFFF"/>
+              </a:solidFill>
+            </a:endParaRPr>
+          </a:p>
+          <a:p>
+            <a:pPr marL="514350" indent="-514350">
+              <a:buFont typeface="+mj-lt"/>
+              <a:buAutoNum type="arabicPeriod"/>
+            </a:pPr>
+            <a:r>
+              <a:rPr lang="ko-KR" altLang="en-US" dirty="0">
+                <a:solidFill>
+                  <a:srgbClr val="FFFFFF"/>
+                </a:solidFill>
+              </a:rPr>
+              <a:t>이후 </a:t>
+            </a:r>
+            <a:r>
+              <a:rPr lang="ko-KR" altLang="en-US" dirty="0">
+                <a:solidFill>
+                  <a:srgbClr val="FF0000"/>
+                </a:solidFill>
+              </a:rPr>
+              <a:t>서버에서 구해진 고도 정보를 받아</a:t>
             </a:r>
             <a:r>
               <a:rPr lang="en-US" altLang="ko-KR" dirty="0">
@@ -7262,57 +7779,61 @@
                   <a:srgbClr val="FFFFFF"/>
                 </a:solidFill>
               </a:rPr>
-              <a:t>현재 사용자가 달리는 길의 특성을 파악합니다</a:t>
-            </a:r>
-            <a:r>
-              <a:rPr lang="en-US" altLang="ko-KR" dirty="0">
-                <a:solidFill>
-                  <a:srgbClr val="FFFFFF"/>
+              <a:t>이전 주기에 받은 정보와 대조하여</a:t>
+            </a:r>
+            <a:r>
+              <a:rPr lang="en-US" altLang="ko-KR" dirty="0">
+                <a:solidFill>
+                  <a:srgbClr val="FFFFFF"/>
+                </a:solidFill>
+              </a:rPr>
+              <a:t>, </a:t>
+            </a:r>
+            <a:r>
+              <a:rPr lang="ko-KR" altLang="en-US" dirty="0">
+                <a:solidFill>
+                  <a:srgbClr val="FF0000"/>
+                </a:solidFill>
+              </a:rPr>
+              <a:t>기울기를 구합니다</a:t>
+            </a:r>
+            <a:r>
+              <a:rPr lang="en-US" altLang="ko-KR" dirty="0">
+                <a:solidFill>
+                  <a:srgbClr val="FF0000"/>
                 </a:solidFill>
               </a:rPr>
               <a:t>.</a:t>
             </a:r>
           </a:p>
           <a:p>
-            <a:r>
-              <a:rPr lang="ko-KR" altLang="en-US" dirty="0">
-                <a:solidFill>
-                  <a:srgbClr val="FFFFFF"/>
-                </a:solidFill>
-              </a:rPr>
-              <a:t>흙으로 된 길인지</a:t>
-            </a:r>
-            <a:r>
-              <a:rPr lang="en-US" altLang="ko-KR" dirty="0">
-                <a:solidFill>
-                  <a:srgbClr val="FFFFFF"/>
-                </a:solidFill>
-              </a:rPr>
-              <a:t>, </a:t>
-            </a:r>
-            <a:r>
-              <a:rPr lang="ko-KR" altLang="en-US" dirty="0">
-                <a:solidFill>
-                  <a:srgbClr val="FFFFFF"/>
-                </a:solidFill>
-              </a:rPr>
-              <a:t>자갈길인지</a:t>
-            </a:r>
-            <a:r>
-              <a:rPr lang="en-US" altLang="ko-KR" dirty="0">
-                <a:solidFill>
-                  <a:srgbClr val="FFFFFF"/>
-                </a:solidFill>
-              </a:rPr>
-              <a:t>, </a:t>
-            </a:r>
-            <a:r>
-              <a:rPr lang="ko-KR" altLang="en-US" dirty="0">
-                <a:solidFill>
-                  <a:srgbClr val="FFFFFF"/>
-                </a:solidFill>
-              </a:rPr>
-              <a:t>단단한 길인지 구별하여 서버에 저장합니다</a:t>
+            <a:pPr marL="514350" indent="-514350">
+              <a:buFont typeface="+mj-lt"/>
+              <a:buAutoNum type="arabicPeriod"/>
+            </a:pPr>
+            <a:r>
+              <a:rPr lang="ko-KR" altLang="en-US" dirty="0">
+                <a:solidFill>
+                  <a:srgbClr val="FFFFFF"/>
+                </a:solidFill>
+              </a:rPr>
+              <a:t>기존에 앱에서 수집한 정보와 서버에서 받아온 </a:t>
+            </a:r>
+            <a:r>
+              <a:rPr lang="ko-KR" altLang="en-US" dirty="0">
+                <a:solidFill>
+                  <a:srgbClr val="FF0000"/>
+                </a:solidFill>
+              </a:rPr>
+              <a:t>정보를 합산하여 화면에 출력</a:t>
+            </a:r>
+            <a:r>
+              <a:rPr lang="ko-KR" altLang="en-US" dirty="0">
+                <a:solidFill>
+                  <a:srgbClr val="FFFFFF"/>
+                </a:solidFill>
+              </a:rPr>
+              <a:t>합니다</a:t>
             </a:r>
             <a:r>
               <a:rPr lang="en-US" altLang="ko-KR" dirty="0">
@@ -7324,29 +7845,22 @@
             </a:r>
           </a:p>
           <a:p>
-            <a:r>
-              <a:rPr lang="ko-KR" altLang="en-US" dirty="0">
-                <a:solidFill>
-                  <a:srgbClr val="FFFFFF"/>
-                </a:solidFill>
-              </a:rPr>
-              <a:t>이는 추후 사용자에게 경로를 추천하는데 데이터로써 이용됩니다</a:t>
-            </a:r>
-            <a:r>
-              <a:rPr lang="en-US" altLang="ko-KR" dirty="0">
-                <a:solidFill>
-                  <a:srgbClr val="FFFFFF"/>
-                </a:solidFill>
-              </a:rPr>
-              <a:t>.</a:t>
-            </a:r>
+            <a:pPr marL="514350" indent="-514350">
+              <a:buFont typeface="+mj-lt"/>
+              <a:buAutoNum type="arabicPeriod"/>
+            </a:pPr>
+            <a:endParaRPr lang="ko-KR" altLang="en-US" dirty="0">
+              <a:solidFill>
+                <a:srgbClr val="FFFFFF"/>
+              </a:solidFill>
+            </a:endParaRPr>
           </a:p>
         </p:txBody>
       </p:sp>
     </p:spTree>
     <p:extLst>
       <p:ext uri="{BB962C8B-B14F-4D97-AF65-F5344CB8AC3E}">
-        <p14:creationId xmlns:p14="http://schemas.microsoft.com/office/powerpoint/2010/main" val="2466403087"/>
+        <p14:creationId xmlns:p14="http://schemas.microsoft.com/office/powerpoint/2010/main" val="2967532829"/>
       </p:ext>
     </p:extLst>
   </p:cSld>
